--- a/presentation/휴게소.pptx
+++ b/presentation/휴게소.pptx
@@ -5,15 +5,16 @@
     <p:sldMasterId id="2147483840" r:id="rId29"/>
   </p:sldMasterIdLst>
   <p:notesMasterIdLst>
-    <p:notesMasterId r:id="rId36"/>
+    <p:notesMasterId r:id="rId37"/>
   </p:notesMasterIdLst>
   <p:sldIdLst>
     <p:sldId id="256" r:id="rId30"/>
     <p:sldId id="266" r:id="rId31"/>
-    <p:sldId id="257" r:id="rId32"/>
-    <p:sldId id="263" r:id="rId33"/>
-    <p:sldId id="264" r:id="rId34"/>
-    <p:sldId id="259" r:id="rId35"/>
+    <p:sldId id="267" r:id="rId32"/>
+    <p:sldId id="257" r:id="rId33"/>
+    <p:sldId id="263" r:id="rId34"/>
+    <p:sldId id="264" r:id="rId35"/>
+    <p:sldId id="259" r:id="rId36"/>
   </p:sldIdLst>
   <p:sldSz cx="12192000" cy="6858000"/>
   <p:notesSz cx="6858000" cy="9144000"/>
@@ -7102,8 +7103,8 @@
         </p:blipFill>
         <p:spPr>
           <a:xfrm>
-            <a:off x="0" y="307060"/>
-            <a:ext cx="12192000" cy="6966856"/>
+            <a:off x="0" y="0"/>
+            <a:ext cx="12192000" cy="7273916"/>
           </a:xfrm>
           <a:prstGeom prst="rect">
             <a:avLst/>
@@ -7124,7 +7125,7 @@
         </p:nvSpPr>
         <p:spPr>
           <a:xfrm>
-            <a:off x="3696720" y="901550"/>
+            <a:off x="3696720" y="701495"/>
             <a:ext cx="4798559" cy="830997"/>
           </a:xfrm>
           <a:prstGeom prst="rect">
@@ -7365,735 +7366,12 @@
           <a:chExt cx="0" cy="0"/>
         </a:xfrm>
       </p:grpSpPr>
-      <p:grpSp>
-        <p:nvGrpSpPr>
-          <p:cNvPr id="11" name="그룹 10">
+      <p:sp>
+        <p:nvSpPr>
+          <p:cNvPr id="2" name="TextBox 1">
             <a:extLst>
               <a:ext uri="{FF2B5EF4-FFF2-40B4-BE49-F238E27FC236}">
-                <a16:creationId xmlns:a16="http://schemas.microsoft.com/office/drawing/2014/main" id="{44949381-3CE1-3CE5-A5E7-22386D9F127D}"/>
-              </a:ext>
-            </a:extLst>
-          </p:cNvPr>
-          <p:cNvGrpSpPr/>
-          <p:nvPr/>
-        </p:nvGrpSpPr>
-        <p:grpSpPr>
-          <a:xfrm>
-            <a:off x="7006623" y="2373418"/>
-            <a:ext cx="4509584" cy="3968294"/>
-            <a:chOff x="5420658" y="2390671"/>
-            <a:chExt cx="6442636" cy="4213412"/>
-          </a:xfrm>
-        </p:grpSpPr>
-        <p:sp>
-          <p:nvSpPr>
-            <p:cNvPr id="3" name="직사각형 2">
-              <a:extLst>
-                <a:ext uri="{FF2B5EF4-FFF2-40B4-BE49-F238E27FC236}">
-                  <a16:creationId xmlns:a16="http://schemas.microsoft.com/office/drawing/2014/main" id="{AE3250B9-4F60-046D-DFD2-6A46DCFD1880}"/>
-                </a:ext>
-              </a:extLst>
-            </p:cNvPr>
-            <p:cNvSpPr/>
-            <p:nvPr/>
-          </p:nvSpPr>
-          <p:spPr>
-            <a:xfrm>
-              <a:off x="5420658" y="2390671"/>
-              <a:ext cx="6442636" cy="4213412"/>
-            </a:xfrm>
-            <a:prstGeom prst="rect">
-              <a:avLst/>
-            </a:prstGeom>
-          </p:spPr>
-          <p:style>
-            <a:lnRef idx="1">
-              <a:schemeClr val="accent4"/>
-            </a:lnRef>
-            <a:fillRef idx="2">
-              <a:schemeClr val="accent4"/>
-            </a:fillRef>
-            <a:effectRef idx="1">
-              <a:schemeClr val="accent4"/>
-            </a:effectRef>
-            <a:fontRef idx="minor">
-              <a:schemeClr val="dk1"/>
-            </a:fontRef>
-          </p:style>
-          <p:txBody>
-            <a:bodyPr rtlCol="0" anchor="ctr"/>
-            <a:lstStyle/>
-            <a:p>
-              <a:pPr algn="ctr"/>
-              <a:endParaRPr lang="ko-KR" altLang="en-US" dirty="0"/>
-            </a:p>
-          </p:txBody>
-        </p:sp>
-        <p:sp>
-          <p:nvSpPr>
-            <p:cNvPr id="9" name="TextBox 8">
-              <a:extLst>
-                <a:ext uri="{FF2B5EF4-FFF2-40B4-BE49-F238E27FC236}">
-                  <a16:creationId xmlns:a16="http://schemas.microsoft.com/office/drawing/2014/main" id="{08F324C7-3A64-B0FD-2E0D-56E513A622D7}"/>
-                </a:ext>
-              </a:extLst>
-            </p:cNvPr>
-            <p:cNvSpPr txBox="1"/>
-            <p:nvPr/>
-          </p:nvSpPr>
-          <p:spPr>
-            <a:xfrm>
-              <a:off x="5420658" y="2436069"/>
-              <a:ext cx="2234907" cy="400110"/>
-            </a:xfrm>
-            <a:prstGeom prst="rect">
-              <a:avLst/>
-            </a:prstGeom>
-            <a:noFill/>
-          </p:spPr>
-          <p:txBody>
-            <a:bodyPr wrap="none" rtlCol="0">
-              <a:spAutoFit/>
-            </a:bodyPr>
-            <a:lstStyle/>
-            <a:p>
-              <a:r>
-                <a:rPr lang="en-US" altLang="ko-KR" sz="2000" b="1" dirty="0"/>
-                <a:t>Third Party Apps</a:t>
-              </a:r>
-              <a:endParaRPr lang="ko-KR" altLang="en-US" sz="2000" b="1" dirty="0"/>
-            </a:p>
-          </p:txBody>
-        </p:sp>
-      </p:grpSp>
-      <p:sp>
-        <p:nvSpPr>
-          <p:cNvPr id="2" name="제목 1">
-            <a:extLst>
-              <a:ext uri="{FF2B5EF4-FFF2-40B4-BE49-F238E27FC236}">
-                <a16:creationId xmlns:a16="http://schemas.microsoft.com/office/drawing/2014/main" id="{C3BC1FBE-3C64-DEF0-1BEE-790EBC40A05B}"/>
-              </a:ext>
-            </a:extLst>
-          </p:cNvPr>
-          <p:cNvSpPr>
-            <a:spLocks noGrp="1"/>
-          </p:cNvSpPr>
-          <p:nvPr>
-            <p:ph type="title"/>
-          </p:nvPr>
-        </p:nvSpPr>
-        <p:spPr/>
-        <p:txBody>
-          <a:bodyPr/>
-          <a:lstStyle/>
-          <a:p>
-            <a:r>
-              <a:rPr kumimoji="1" lang="ko-KR" altLang="en-US" sz="4400" dirty="0"/>
-              <a:t>서비스 소개</a:t>
-            </a:r>
-          </a:p>
-        </p:txBody>
-      </p:sp>
-      <p:sp>
-        <p:nvSpPr>
-          <p:cNvPr id="6" name="직사각형 5">
-            <a:extLst>
-              <a:ext uri="{FF2B5EF4-FFF2-40B4-BE49-F238E27FC236}">
-                <a16:creationId xmlns:a16="http://schemas.microsoft.com/office/drawing/2014/main" id="{A3DCCAAE-41CA-F996-C75A-0F92A3F0469D}"/>
-              </a:ext>
-            </a:extLst>
-          </p:cNvPr>
-          <p:cNvSpPr/>
-          <p:nvPr/>
-        </p:nvSpPr>
-        <p:spPr>
-          <a:xfrm>
-            <a:off x="7313713" y="4978766"/>
-            <a:ext cx="3874746" cy="674914"/>
-          </a:xfrm>
-          <a:prstGeom prst="rect">
-            <a:avLst/>
-          </a:prstGeom>
-        </p:spPr>
-        <p:style>
-          <a:lnRef idx="2">
-            <a:schemeClr val="accent1">
-              <a:shade val="15000"/>
-            </a:schemeClr>
-          </a:lnRef>
-          <a:fillRef idx="1">
-            <a:schemeClr val="accent1"/>
-          </a:fillRef>
-          <a:effectRef idx="0">
-            <a:schemeClr val="accent1"/>
-          </a:effectRef>
-          <a:fontRef idx="minor">
-            <a:schemeClr val="lt1"/>
-          </a:fontRef>
-        </p:style>
-        <p:txBody>
-          <a:bodyPr rtlCol="0" anchor="ctr"/>
-          <a:lstStyle/>
-          <a:p>
-            <a:pPr algn="ctr"/>
-            <a:r>
-              <a:rPr kumimoji="1" lang="ko-KR" altLang="en-US" sz="2400" dirty="0"/>
-              <a:t>학습 서비스</a:t>
-            </a:r>
-          </a:p>
-        </p:txBody>
-      </p:sp>
-      <p:sp>
-        <p:nvSpPr>
-          <p:cNvPr id="7" name="직사각형 6">
-            <a:extLst>
-              <a:ext uri="{FF2B5EF4-FFF2-40B4-BE49-F238E27FC236}">
-                <a16:creationId xmlns:a16="http://schemas.microsoft.com/office/drawing/2014/main" id="{2BB85375-C43B-C97C-B0D0-75818BD16D0F}"/>
-              </a:ext>
-            </a:extLst>
-          </p:cNvPr>
-          <p:cNvSpPr/>
-          <p:nvPr/>
-        </p:nvSpPr>
-        <p:spPr>
-          <a:xfrm>
-            <a:off x="7313714" y="4068174"/>
-            <a:ext cx="3874746" cy="674914"/>
-          </a:xfrm>
-          <a:prstGeom prst="rect">
-            <a:avLst/>
-          </a:prstGeom>
-        </p:spPr>
-        <p:style>
-          <a:lnRef idx="2">
-            <a:schemeClr val="accent1">
-              <a:shade val="15000"/>
-            </a:schemeClr>
-          </a:lnRef>
-          <a:fillRef idx="1">
-            <a:schemeClr val="accent1"/>
-          </a:fillRef>
-          <a:effectRef idx="0">
-            <a:schemeClr val="accent1"/>
-          </a:effectRef>
-          <a:fontRef idx="minor">
-            <a:schemeClr val="lt1"/>
-          </a:fontRef>
-        </p:style>
-        <p:txBody>
-          <a:bodyPr rtlCol="0" anchor="ctr"/>
-          <a:lstStyle/>
-          <a:p>
-            <a:pPr algn="ctr"/>
-            <a:r>
-              <a:rPr kumimoji="1" lang="ko-KR" altLang="en-US" sz="2400" dirty="0"/>
-              <a:t>후원 서비스</a:t>
-            </a:r>
-          </a:p>
-        </p:txBody>
-      </p:sp>
-      <p:sp>
-        <p:nvSpPr>
-          <p:cNvPr id="8" name="직사각형 7">
-            <a:extLst>
-              <a:ext uri="{FF2B5EF4-FFF2-40B4-BE49-F238E27FC236}">
-                <a16:creationId xmlns:a16="http://schemas.microsoft.com/office/drawing/2014/main" id="{D80869D7-2101-D99F-D85C-68D22774C4FB}"/>
-              </a:ext>
-            </a:extLst>
-          </p:cNvPr>
-          <p:cNvSpPr/>
-          <p:nvPr/>
-        </p:nvSpPr>
-        <p:spPr>
-          <a:xfrm>
-            <a:off x="7313713" y="3180223"/>
-            <a:ext cx="3874747" cy="674914"/>
-          </a:xfrm>
-          <a:prstGeom prst="rect">
-            <a:avLst/>
-          </a:prstGeom>
-        </p:spPr>
-        <p:style>
-          <a:lnRef idx="2">
-            <a:schemeClr val="accent1">
-              <a:shade val="15000"/>
-            </a:schemeClr>
-          </a:lnRef>
-          <a:fillRef idx="1">
-            <a:schemeClr val="accent1"/>
-          </a:fillRef>
-          <a:effectRef idx="0">
-            <a:schemeClr val="accent1"/>
-          </a:effectRef>
-          <a:fontRef idx="minor">
-            <a:schemeClr val="lt1"/>
-          </a:fontRef>
-        </p:style>
-        <p:txBody>
-          <a:bodyPr rtlCol="0" anchor="ctr"/>
-          <a:lstStyle/>
-          <a:p>
-            <a:pPr algn="ctr"/>
-            <a:r>
-              <a:rPr kumimoji="1" lang="ko-KR" altLang="en-US" sz="2400" dirty="0"/>
-              <a:t>이력서 서비스</a:t>
-            </a:r>
-          </a:p>
-        </p:txBody>
-      </p:sp>
-      <p:sp>
-        <p:nvSpPr>
-          <p:cNvPr id="4" name="타원 3">
-            <a:extLst>
-              <a:ext uri="{FF2B5EF4-FFF2-40B4-BE49-F238E27FC236}">
-                <a16:creationId xmlns:a16="http://schemas.microsoft.com/office/drawing/2014/main" id="{D3015298-D36D-9A31-3A4B-2BBD4508C0D0}"/>
-              </a:ext>
-            </a:extLst>
-          </p:cNvPr>
-          <p:cNvSpPr/>
-          <p:nvPr/>
-        </p:nvSpPr>
-        <p:spPr>
-          <a:xfrm>
-            <a:off x="1722903" y="3363272"/>
-            <a:ext cx="1836168" cy="930210"/>
-          </a:xfrm>
-          <a:prstGeom prst="ellipse">
-            <a:avLst/>
-          </a:prstGeom>
-        </p:spPr>
-        <p:style>
-          <a:lnRef idx="2">
-            <a:schemeClr val="accent1">
-              <a:shade val="15000"/>
-            </a:schemeClr>
-          </a:lnRef>
-          <a:fillRef idx="1">
-            <a:schemeClr val="accent1"/>
-          </a:fillRef>
-          <a:effectRef idx="0">
-            <a:schemeClr val="accent1"/>
-          </a:effectRef>
-          <a:fontRef idx="minor">
-            <a:schemeClr val="lt1"/>
-          </a:fontRef>
-        </p:style>
-        <p:txBody>
-          <a:bodyPr rtlCol="0" anchor="ctr"/>
-          <a:lstStyle/>
-          <a:p>
-            <a:pPr algn="ctr"/>
-            <a:r>
-              <a:rPr kumimoji="1" lang="ko-KR" altLang="en-US" sz="2400" dirty="0"/>
-              <a:t>휴게소</a:t>
-            </a:r>
-            <a:endParaRPr kumimoji="1" lang="en-US" altLang="ko-KR" sz="2400" dirty="0"/>
-          </a:p>
-        </p:txBody>
-      </p:sp>
-      <p:sp>
-        <p:nvSpPr>
-          <p:cNvPr id="12" name="직사각형 11">
-            <a:extLst>
-              <a:ext uri="{FF2B5EF4-FFF2-40B4-BE49-F238E27FC236}">
-                <a16:creationId xmlns:a16="http://schemas.microsoft.com/office/drawing/2014/main" id="{23D42604-AD74-89B8-159B-CCE970F786F4}"/>
-              </a:ext>
-            </a:extLst>
-          </p:cNvPr>
-          <p:cNvSpPr/>
-          <p:nvPr/>
-        </p:nvSpPr>
-        <p:spPr>
-          <a:xfrm>
-            <a:off x="2881167" y="4715802"/>
-            <a:ext cx="1795875" cy="674914"/>
-          </a:xfrm>
-          <a:prstGeom prst="rect">
-            <a:avLst/>
-          </a:prstGeom>
-        </p:spPr>
-        <p:style>
-          <a:lnRef idx="2">
-            <a:schemeClr val="accent1">
-              <a:shade val="15000"/>
-            </a:schemeClr>
-          </a:lnRef>
-          <a:fillRef idx="1">
-            <a:schemeClr val="accent1"/>
-          </a:fillRef>
-          <a:effectRef idx="0">
-            <a:schemeClr val="accent1"/>
-          </a:effectRef>
-          <a:fontRef idx="minor">
-            <a:schemeClr val="lt1"/>
-          </a:fontRef>
-        </p:style>
-        <p:txBody>
-          <a:bodyPr rtlCol="0" anchor="ctr"/>
-          <a:lstStyle/>
-          <a:p>
-            <a:pPr algn="ctr"/>
-            <a:r>
-              <a:rPr kumimoji="1" lang="ko-KR" altLang="en-US" sz="2400" dirty="0"/>
-              <a:t>메일 서비스</a:t>
-            </a:r>
-          </a:p>
-        </p:txBody>
-      </p:sp>
-      <p:cxnSp>
-        <p:nvCxnSpPr>
-          <p:cNvPr id="16" name="직선 연결선 15">
-            <a:extLst>
-              <a:ext uri="{FF2B5EF4-FFF2-40B4-BE49-F238E27FC236}">
-                <a16:creationId xmlns:a16="http://schemas.microsoft.com/office/drawing/2014/main" id="{7D33951F-7F4A-8D34-720D-18CBCAA0D5DA}"/>
-              </a:ext>
-            </a:extLst>
-          </p:cNvPr>
-          <p:cNvCxnSpPr>
-            <a:cxnSpLocks/>
-            <a:stCxn id="4" idx="4"/>
-            <a:endCxn id="12" idx="0"/>
-          </p:cNvCxnSpPr>
-          <p:nvPr/>
-        </p:nvCxnSpPr>
-        <p:spPr>
-          <a:xfrm>
-            <a:off x="2640987" y="4293482"/>
-            <a:ext cx="1138118" cy="422320"/>
-          </a:xfrm>
-          <a:prstGeom prst="line">
-            <a:avLst/>
-          </a:prstGeom>
-          <a:ln w="28575"/>
-        </p:spPr>
-        <p:style>
-          <a:lnRef idx="1">
-            <a:schemeClr val="dk1"/>
-          </a:lnRef>
-          <a:fillRef idx="0">
-            <a:schemeClr val="dk1"/>
-          </a:fillRef>
-          <a:effectRef idx="0">
-            <a:schemeClr val="dk1"/>
-          </a:effectRef>
-          <a:fontRef idx="minor">
-            <a:schemeClr val="tx1"/>
-          </a:fontRef>
-        </p:style>
-      </p:cxnSp>
-      <p:sp>
-        <p:nvSpPr>
-          <p:cNvPr id="27" name="직사각형 26">
-            <a:extLst>
-              <a:ext uri="{FF2B5EF4-FFF2-40B4-BE49-F238E27FC236}">
-                <a16:creationId xmlns:a16="http://schemas.microsoft.com/office/drawing/2014/main" id="{190B9C63-C88C-F849-5589-2598C333795F}"/>
-              </a:ext>
-            </a:extLst>
-          </p:cNvPr>
-          <p:cNvSpPr/>
-          <p:nvPr/>
-        </p:nvSpPr>
-        <p:spPr>
-          <a:xfrm>
-            <a:off x="527115" y="4715802"/>
-            <a:ext cx="1953629" cy="674914"/>
-          </a:xfrm>
-          <a:prstGeom prst="rect">
-            <a:avLst/>
-          </a:prstGeom>
-        </p:spPr>
-        <p:style>
-          <a:lnRef idx="2">
-            <a:schemeClr val="accent1">
-              <a:shade val="15000"/>
-            </a:schemeClr>
-          </a:lnRef>
-          <a:fillRef idx="1">
-            <a:schemeClr val="accent1"/>
-          </a:fillRef>
-          <a:effectRef idx="0">
-            <a:schemeClr val="accent1"/>
-          </a:effectRef>
-          <a:fontRef idx="minor">
-            <a:schemeClr val="lt1"/>
-          </a:fontRef>
-        </p:style>
-        <p:txBody>
-          <a:bodyPr rtlCol="0" anchor="ctr"/>
-          <a:lstStyle/>
-          <a:p>
-            <a:pPr algn="ctr"/>
-            <a:r>
-              <a:rPr kumimoji="1" lang="ko-KR" altLang="en-US" sz="2400" dirty="0"/>
-              <a:t>메일 발송 </a:t>
-            </a:r>
-            <a:r>
-              <a:rPr kumimoji="1" lang="en-US" altLang="ko-KR" sz="2400" dirty="0"/>
-              <a:t>API</a:t>
-            </a:r>
-            <a:endParaRPr kumimoji="1" lang="ko-KR" altLang="en-US" sz="2400" dirty="0"/>
-          </a:p>
-        </p:txBody>
-      </p:sp>
-      <p:cxnSp>
-        <p:nvCxnSpPr>
-          <p:cNvPr id="28" name="직선 연결선 27">
-            <a:extLst>
-              <a:ext uri="{FF2B5EF4-FFF2-40B4-BE49-F238E27FC236}">
-                <a16:creationId xmlns:a16="http://schemas.microsoft.com/office/drawing/2014/main" id="{4F1D12C6-F236-6BF8-8D4E-FC44264EEB25}"/>
-              </a:ext>
-            </a:extLst>
-          </p:cNvPr>
-          <p:cNvCxnSpPr>
-            <a:cxnSpLocks/>
-            <a:stCxn id="4" idx="4"/>
-            <a:endCxn id="27" idx="0"/>
-          </p:cNvCxnSpPr>
-          <p:nvPr/>
-        </p:nvCxnSpPr>
-        <p:spPr>
-          <a:xfrm flipH="1">
-            <a:off x="1503930" y="4293482"/>
-            <a:ext cx="1137057" cy="422320"/>
-          </a:xfrm>
-          <a:prstGeom prst="line">
-            <a:avLst/>
-          </a:prstGeom>
-          <a:ln w="28575"/>
-        </p:spPr>
-        <p:style>
-          <a:lnRef idx="1">
-            <a:schemeClr val="dk1"/>
-          </a:lnRef>
-          <a:fillRef idx="0">
-            <a:schemeClr val="dk1"/>
-          </a:fillRef>
-          <a:effectRef idx="0">
-            <a:schemeClr val="dk1"/>
-          </a:effectRef>
-          <a:fontRef idx="minor">
-            <a:schemeClr val="tx1"/>
-          </a:fontRef>
-        </p:style>
-      </p:cxnSp>
-      <p:sp>
-        <p:nvSpPr>
-          <p:cNvPr id="36" name="직사각형 35">
-            <a:extLst>
-              <a:ext uri="{FF2B5EF4-FFF2-40B4-BE49-F238E27FC236}">
-                <a16:creationId xmlns:a16="http://schemas.microsoft.com/office/drawing/2014/main" id="{C95F28EB-9027-0402-5992-446191C7B2D6}"/>
-              </a:ext>
-            </a:extLst>
-          </p:cNvPr>
-          <p:cNvSpPr/>
-          <p:nvPr/>
-        </p:nvSpPr>
-        <p:spPr>
-          <a:xfrm>
-            <a:off x="3845746" y="3492271"/>
-            <a:ext cx="1795875" cy="674914"/>
-          </a:xfrm>
-          <a:prstGeom prst="rect">
-            <a:avLst/>
-          </a:prstGeom>
-        </p:spPr>
-        <p:style>
-          <a:lnRef idx="2">
-            <a:schemeClr val="accent1">
-              <a:shade val="15000"/>
-            </a:schemeClr>
-          </a:lnRef>
-          <a:fillRef idx="1">
-            <a:schemeClr val="accent1"/>
-          </a:fillRef>
-          <a:effectRef idx="0">
-            <a:schemeClr val="accent1"/>
-          </a:effectRef>
-          <a:fontRef idx="minor">
-            <a:schemeClr val="lt1"/>
-          </a:fontRef>
-        </p:style>
-        <p:txBody>
-          <a:bodyPr rtlCol="0" anchor="ctr"/>
-          <a:lstStyle/>
-          <a:p>
-            <a:pPr algn="ctr"/>
-            <a:r>
-              <a:rPr kumimoji="1" lang="ko-KR" altLang="en-US" sz="2400" dirty="0"/>
-              <a:t>인증 서비스</a:t>
-            </a:r>
-          </a:p>
-        </p:txBody>
-      </p:sp>
-      <p:cxnSp>
-        <p:nvCxnSpPr>
-          <p:cNvPr id="40" name="직선 연결선 39">
-            <a:extLst>
-              <a:ext uri="{FF2B5EF4-FFF2-40B4-BE49-F238E27FC236}">
-                <a16:creationId xmlns:a16="http://schemas.microsoft.com/office/drawing/2014/main" id="{4DD17605-6AF0-8583-FE44-E06E66FB7F2B}"/>
-              </a:ext>
-            </a:extLst>
-          </p:cNvPr>
-          <p:cNvCxnSpPr>
-            <a:cxnSpLocks/>
-            <a:stCxn id="4" idx="6"/>
-            <a:endCxn id="36" idx="1"/>
-          </p:cNvCxnSpPr>
-          <p:nvPr/>
-        </p:nvCxnSpPr>
-        <p:spPr>
-          <a:xfrm>
-            <a:off x="3559071" y="3828377"/>
-            <a:ext cx="286675" cy="1351"/>
-          </a:xfrm>
-          <a:prstGeom prst="line">
-            <a:avLst/>
-          </a:prstGeom>
-          <a:ln w="28575"/>
-        </p:spPr>
-        <p:style>
-          <a:lnRef idx="1">
-            <a:schemeClr val="dk1"/>
-          </a:lnRef>
-          <a:fillRef idx="0">
-            <a:schemeClr val="dk1"/>
-          </a:fillRef>
-          <a:effectRef idx="0">
-            <a:schemeClr val="dk1"/>
-          </a:effectRef>
-          <a:fontRef idx="minor">
-            <a:schemeClr val="tx1"/>
-          </a:fontRef>
-        </p:style>
-      </p:cxnSp>
-      <p:sp>
-        <p:nvSpPr>
-          <p:cNvPr id="59" name="화살표: 오른쪽 58">
-            <a:extLst>
-              <a:ext uri="{FF2B5EF4-FFF2-40B4-BE49-F238E27FC236}">
-                <a16:creationId xmlns:a16="http://schemas.microsoft.com/office/drawing/2014/main" id="{3B09FB03-9E10-8330-B38F-C5EF9337177D}"/>
-              </a:ext>
-            </a:extLst>
-          </p:cNvPr>
-          <p:cNvSpPr/>
-          <p:nvPr/>
-        </p:nvSpPr>
-        <p:spPr>
-          <a:xfrm>
-            <a:off x="5815244" y="3492271"/>
-            <a:ext cx="1094513" cy="674914"/>
-          </a:xfrm>
-          <a:prstGeom prst="rightArrow">
-            <a:avLst/>
-          </a:prstGeom>
-          <a:solidFill>
-            <a:srgbClr val="FFFF00"/>
-          </a:solidFill>
-        </p:spPr>
-        <p:style>
-          <a:lnRef idx="2">
-            <a:schemeClr val="accent1">
-              <a:shade val="15000"/>
-            </a:schemeClr>
-          </a:lnRef>
-          <a:fillRef idx="1">
-            <a:schemeClr val="accent1"/>
-          </a:fillRef>
-          <a:effectRef idx="0">
-            <a:schemeClr val="accent1"/>
-          </a:effectRef>
-          <a:fontRef idx="minor">
-            <a:schemeClr val="lt1"/>
-          </a:fontRef>
-        </p:style>
-        <p:txBody>
-          <a:bodyPr rtlCol="0" anchor="ctr"/>
-          <a:lstStyle/>
-          <a:p>
-            <a:pPr algn="ctr"/>
-            <a:r>
-              <a:rPr lang="en-US" altLang="ko-KR" sz="1400" dirty="0">
-                <a:solidFill>
-                  <a:schemeClr val="tx1"/>
-                </a:solidFill>
-              </a:rPr>
-              <a:t>  </a:t>
-            </a:r>
-            <a:endParaRPr lang="ko-KR" altLang="en-US" sz="1400" dirty="0">
-              <a:solidFill>
-                <a:schemeClr val="tx1"/>
-              </a:solidFill>
-            </a:endParaRPr>
-          </a:p>
-        </p:txBody>
-      </p:sp>
-      <p:sp>
-        <p:nvSpPr>
-          <p:cNvPr id="61" name="화살표: 오른쪽 60">
-            <a:extLst>
-              <a:ext uri="{FF2B5EF4-FFF2-40B4-BE49-F238E27FC236}">
-                <a16:creationId xmlns:a16="http://schemas.microsoft.com/office/drawing/2014/main" id="{5D50E8B2-2503-599B-94F9-4752A3A55CD7}"/>
-              </a:ext>
-            </a:extLst>
-          </p:cNvPr>
-          <p:cNvSpPr/>
-          <p:nvPr/>
-        </p:nvSpPr>
-        <p:spPr>
-          <a:xfrm rot="10800000">
-            <a:off x="5815244" y="4641309"/>
-            <a:ext cx="1094513" cy="674914"/>
-          </a:xfrm>
-          <a:prstGeom prst="rightArrow">
-            <a:avLst/>
-          </a:prstGeom>
-          <a:solidFill>
-            <a:srgbClr val="92D050"/>
-          </a:solidFill>
-        </p:spPr>
-        <p:style>
-          <a:lnRef idx="2">
-            <a:schemeClr val="accent1">
-              <a:shade val="15000"/>
-            </a:schemeClr>
-          </a:lnRef>
-          <a:fillRef idx="1">
-            <a:schemeClr val="accent1"/>
-          </a:fillRef>
-          <a:effectRef idx="0">
-            <a:schemeClr val="accent1"/>
-          </a:effectRef>
-          <a:fontRef idx="minor">
-            <a:schemeClr val="lt1"/>
-          </a:fontRef>
-        </p:style>
-        <p:txBody>
-          <a:bodyPr rtlCol="0" anchor="ctr"/>
-          <a:lstStyle/>
-          <a:p>
-            <a:pPr algn="ctr"/>
-            <a:r>
-              <a:rPr lang="en-US" altLang="ko-KR" sz="1400" dirty="0">
-                <a:solidFill>
-                  <a:schemeClr val="tx1"/>
-                </a:solidFill>
-              </a:rPr>
-              <a:t>  </a:t>
-            </a:r>
-            <a:endParaRPr lang="ko-KR" altLang="en-US" sz="1400" dirty="0">
-              <a:solidFill>
-                <a:schemeClr val="tx1"/>
-              </a:solidFill>
-            </a:endParaRPr>
-          </a:p>
-        </p:txBody>
-      </p:sp>
-      <p:sp>
-        <p:nvSpPr>
-          <p:cNvPr id="62" name="TextBox 61">
-            <a:extLst>
-              <a:ext uri="{FF2B5EF4-FFF2-40B4-BE49-F238E27FC236}">
-                <a16:creationId xmlns:a16="http://schemas.microsoft.com/office/drawing/2014/main" id="{178FE4B0-68F7-308A-34E6-501B5BE5C8AD}"/>
+                <a16:creationId xmlns:a16="http://schemas.microsoft.com/office/drawing/2014/main" id="{169B5E9C-64AE-BD68-664E-3F4110693F57}"/>
               </a:ext>
             </a:extLst>
           </p:cNvPr>
@@ -8102,8 +7380,8 @@
         </p:nvSpPr>
         <p:spPr>
           <a:xfrm>
-            <a:off x="5681865" y="4222630"/>
-            <a:ext cx="1361270" cy="369332"/>
+            <a:off x="2139548" y="2875002"/>
+            <a:ext cx="8324715" cy="1107996"/>
           </a:xfrm>
           <a:prstGeom prst="rect">
             <a:avLst/>
@@ -8117,8 +7395,12 @@
           <a:lstStyle/>
           <a:p>
             <a:r>
-              <a:rPr lang="ko-KR" altLang="en-US"/>
-              <a:t>요청 및 제공</a:t>
+              <a:rPr lang="en-US" altLang="ko-KR" sz="6600" b="1" dirty="0"/>
+              <a:t>= </a:t>
+            </a:r>
+            <a:r>
+              <a:rPr lang="ko-KR" altLang="en-US" sz="6600" b="1" dirty="0"/>
+              <a:t>개발자를 위한 휴게소</a:t>
             </a:r>
           </a:p>
         </p:txBody>
@@ -8126,7 +7408,7 @@
     </p:spTree>
     <p:extLst>
       <p:ext uri="{BB962C8B-B14F-4D97-AF65-F5344CB8AC3E}">
-        <p14:creationId xmlns:p14="http://schemas.microsoft.com/office/powerpoint/2010/main" val="824207446"/>
+        <p14:creationId xmlns:p14="http://schemas.microsoft.com/office/powerpoint/2010/main" val="2097023048"/>
       </p:ext>
     </p:extLst>
   </p:cSld>
@@ -8276,12 +7558,8 @@
           <a:lstStyle/>
           <a:p>
             <a:r>
-              <a:rPr kumimoji="1" lang="ko-KR" altLang="en-US" sz="4400" dirty="0" err="1"/>
-              <a:t>파트별</a:t>
-            </a:r>
-            <a:r>
               <a:rPr kumimoji="1" lang="ko-KR" altLang="en-US" sz="4400" dirty="0"/>
-              <a:t> 소개</a:t>
+              <a:t>서비스 소개</a:t>
             </a:r>
           </a:p>
         </p:txBody>
@@ -8760,10 +8038,10 @@
       </p:cxnSp>
       <p:sp>
         <p:nvSpPr>
-          <p:cNvPr id="5" name="순서도: 처리 4">
+          <p:cNvPr id="59" name="화살표: 오른쪽 58">
             <a:extLst>
               <a:ext uri="{FF2B5EF4-FFF2-40B4-BE49-F238E27FC236}">
-                <a16:creationId xmlns:a16="http://schemas.microsoft.com/office/drawing/2014/main" id="{A8C6EF2C-AA13-8A9E-CA87-D623E32194BA}"/>
+                <a16:creationId xmlns:a16="http://schemas.microsoft.com/office/drawing/2014/main" id="{3B09FB03-9E10-8330-B38F-C5EF9337177D}"/>
               </a:ext>
             </a:extLst>
           </p:cNvPr>
@@ -8772,30 +8050,27 @@
         </p:nvSpPr>
         <p:spPr>
           <a:xfrm>
-            <a:off x="268508" y="3314787"/>
-            <a:ext cx="5546736" cy="978695"/>
+            <a:off x="5815244" y="3492271"/>
+            <a:ext cx="1094513" cy="674914"/>
           </a:xfrm>
-          <a:prstGeom prst="flowChartProcess">
+          <a:prstGeom prst="rightArrow">
             <a:avLst/>
           </a:prstGeom>
           <a:solidFill>
-            <a:schemeClr val="dk1">
-              <a:alpha val="50000"/>
-            </a:schemeClr>
+            <a:srgbClr val="FFFF00"/>
           </a:solidFill>
-          <a:ln>
-            <a:noFill/>
-          </a:ln>
         </p:spPr>
         <p:style>
-          <a:lnRef idx="0">
-            <a:scrgbClr r="0" g="0" b="0"/>
+          <a:lnRef idx="2">
+            <a:schemeClr val="accent1">
+              <a:shade val="15000"/>
+            </a:schemeClr>
           </a:lnRef>
-          <a:fillRef idx="0">
-            <a:scrgbClr r="0" g="0" b="0"/>
+          <a:fillRef idx="1">
+            <a:schemeClr val="accent1"/>
           </a:fillRef>
           <a:effectRef idx="0">
-            <a:scrgbClr r="0" g="0" b="0"/>
+            <a:schemeClr val="accent1"/>
           </a:effectRef>
           <a:fontRef idx="minor">
             <a:schemeClr val="lt1"/>
@@ -8806,16 +8081,28 @@
           <a:lstStyle/>
           <a:p>
             <a:pPr algn="ctr"/>
-            <a:endParaRPr lang="ko-KR" altLang="en-US" dirty="0"/>
-          </a:p>
-        </p:txBody>
-      </p:sp>
-      <p:sp>
-        <p:nvSpPr>
-          <p:cNvPr id="13" name="순서도: 처리 12">
+            <a:r>
+              <a:rPr lang="en-US" altLang="ko-KR" sz="1400" dirty="0">
+                <a:solidFill>
+                  <a:schemeClr val="tx1"/>
+                </a:solidFill>
+              </a:rPr>
+              <a:t>  </a:t>
+            </a:r>
+            <a:endParaRPr lang="ko-KR" altLang="en-US" sz="1400" dirty="0">
+              <a:solidFill>
+                <a:schemeClr val="tx1"/>
+              </a:solidFill>
+            </a:endParaRPr>
+          </a:p>
+        </p:txBody>
+      </p:sp>
+      <p:sp>
+        <p:nvSpPr>
+          <p:cNvPr id="61" name="화살표: 오른쪽 60">
             <a:extLst>
               <a:ext uri="{FF2B5EF4-FFF2-40B4-BE49-F238E27FC236}">
-                <a16:creationId xmlns:a16="http://schemas.microsoft.com/office/drawing/2014/main" id="{F5700BCD-1B70-CCB0-7777-996AD6F876D5}"/>
+                <a16:creationId xmlns:a16="http://schemas.microsoft.com/office/drawing/2014/main" id="{5D50E8B2-2503-599B-94F9-4752A3A55CD7}"/>
               </a:ext>
             </a:extLst>
           </p:cNvPr>
@@ -8823,31 +8110,28 @@
           <p:nvPr/>
         </p:nvSpPr>
         <p:spPr>
-          <a:xfrm>
-            <a:off x="7006623" y="3114901"/>
-            <a:ext cx="4509584" cy="805295"/>
+          <a:xfrm rot="10800000">
+            <a:off x="5815244" y="4641309"/>
+            <a:ext cx="1094513" cy="674914"/>
           </a:xfrm>
-          <a:prstGeom prst="flowChartProcess">
+          <a:prstGeom prst="rightArrow">
             <a:avLst/>
           </a:prstGeom>
           <a:solidFill>
-            <a:schemeClr val="dk1">
-              <a:alpha val="50000"/>
-            </a:schemeClr>
+            <a:srgbClr val="92D050"/>
           </a:solidFill>
-          <a:ln>
-            <a:noFill/>
-          </a:ln>
         </p:spPr>
         <p:style>
-          <a:lnRef idx="0">
-            <a:scrgbClr r="0" g="0" b="0"/>
+          <a:lnRef idx="2">
+            <a:schemeClr val="accent1">
+              <a:shade val="15000"/>
+            </a:schemeClr>
           </a:lnRef>
-          <a:fillRef idx="0">
-            <a:scrgbClr r="0" g="0" b="0"/>
+          <a:fillRef idx="1">
+            <a:schemeClr val="accent1"/>
           </a:fillRef>
           <a:effectRef idx="0">
-            <a:scrgbClr r="0" g="0" b="0"/>
+            <a:schemeClr val="accent1"/>
           </a:effectRef>
           <a:fontRef idx="minor">
             <a:schemeClr val="lt1"/>
@@ -8858,16 +8142,28 @@
           <a:lstStyle/>
           <a:p>
             <a:pPr algn="ctr"/>
-            <a:endParaRPr lang="ko-KR" altLang="en-US" dirty="0"/>
-          </a:p>
-        </p:txBody>
-      </p:sp>
-      <p:sp>
-        <p:nvSpPr>
-          <p:cNvPr id="14" name="TextBox 13">
+            <a:r>
+              <a:rPr lang="en-US" altLang="ko-KR" sz="1400" dirty="0">
+                <a:solidFill>
+                  <a:schemeClr val="tx1"/>
+                </a:solidFill>
+              </a:rPr>
+              <a:t>  </a:t>
+            </a:r>
+            <a:endParaRPr lang="ko-KR" altLang="en-US" sz="1400" dirty="0">
+              <a:solidFill>
+                <a:schemeClr val="tx1"/>
+              </a:solidFill>
+            </a:endParaRPr>
+          </a:p>
+        </p:txBody>
+      </p:sp>
+      <p:sp>
+        <p:nvSpPr>
+          <p:cNvPr id="62" name="TextBox 61">
             <a:extLst>
               <a:ext uri="{FF2B5EF4-FFF2-40B4-BE49-F238E27FC236}">
-                <a16:creationId xmlns:a16="http://schemas.microsoft.com/office/drawing/2014/main" id="{FA7AE4D6-D923-D251-DE6C-3F851E9D579A}"/>
+                <a16:creationId xmlns:a16="http://schemas.microsoft.com/office/drawing/2014/main" id="{178FE4B0-68F7-308A-34E6-501B5BE5C8AD}"/>
               </a:ext>
             </a:extLst>
           </p:cNvPr>
@@ -8876,8 +8172,8 @@
         </p:nvSpPr>
         <p:spPr>
           <a:xfrm>
-            <a:off x="6962633" y="3051774"/>
-            <a:ext cx="1247096" cy="400110"/>
+            <a:off x="5681865" y="4222630"/>
+            <a:ext cx="1361270" cy="369332"/>
           </a:xfrm>
           <a:prstGeom prst="rect">
             <a:avLst/>
@@ -8885,348 +8181,22 @@
           <a:noFill/>
         </p:spPr>
         <p:txBody>
-          <a:bodyPr wrap="square" rtlCol="0">
+          <a:bodyPr wrap="none" rtlCol="0">
             <a:spAutoFit/>
           </a:bodyPr>
           <a:lstStyle/>
           <a:p>
             <a:r>
-              <a:rPr lang="ko-KR" altLang="en-US" sz="2000" b="1" dirty="0">
-                <a:solidFill>
-                  <a:schemeClr val="bg1"/>
-                </a:solidFill>
-              </a:rPr>
-              <a:t>김세영</a:t>
-            </a:r>
-          </a:p>
-        </p:txBody>
-      </p:sp>
-      <p:sp>
-        <p:nvSpPr>
-          <p:cNvPr id="15" name="순서도: 처리 14">
-            <a:extLst>
-              <a:ext uri="{FF2B5EF4-FFF2-40B4-BE49-F238E27FC236}">
-                <a16:creationId xmlns:a16="http://schemas.microsoft.com/office/drawing/2014/main" id="{13CE101F-1CF0-23F4-8B77-8B9ED745FC8E}"/>
-              </a:ext>
-            </a:extLst>
-          </p:cNvPr>
-          <p:cNvSpPr/>
-          <p:nvPr/>
-        </p:nvSpPr>
-        <p:spPr>
-          <a:xfrm>
-            <a:off x="7006623" y="4020164"/>
-            <a:ext cx="4509584" cy="801059"/>
-          </a:xfrm>
-          <a:prstGeom prst="flowChartProcess">
-            <a:avLst/>
-          </a:prstGeom>
-          <a:solidFill>
-            <a:schemeClr val="dk1">
-              <a:alpha val="50000"/>
-            </a:schemeClr>
-          </a:solidFill>
-          <a:ln>
-            <a:noFill/>
-          </a:ln>
-        </p:spPr>
-        <p:style>
-          <a:lnRef idx="0">
-            <a:scrgbClr r="0" g="0" b="0"/>
-          </a:lnRef>
-          <a:fillRef idx="0">
-            <a:scrgbClr r="0" g="0" b="0"/>
-          </a:fillRef>
-          <a:effectRef idx="0">
-            <a:scrgbClr r="0" g="0" b="0"/>
-          </a:effectRef>
-          <a:fontRef idx="minor">
-            <a:schemeClr val="lt1"/>
-          </a:fontRef>
-        </p:style>
-        <p:txBody>
-          <a:bodyPr rtlCol="0" anchor="ctr"/>
-          <a:lstStyle/>
-          <a:p>
-            <a:pPr algn="ctr"/>
-            <a:endParaRPr lang="ko-KR" altLang="en-US" dirty="0"/>
-          </a:p>
-        </p:txBody>
-      </p:sp>
-      <p:sp>
-        <p:nvSpPr>
-          <p:cNvPr id="17" name="TextBox 16">
-            <a:extLst>
-              <a:ext uri="{FF2B5EF4-FFF2-40B4-BE49-F238E27FC236}">
-                <a16:creationId xmlns:a16="http://schemas.microsoft.com/office/drawing/2014/main" id="{AC414C31-75FA-966B-B5EB-E4650DD3C95C}"/>
-              </a:ext>
-            </a:extLst>
-          </p:cNvPr>
-          <p:cNvSpPr txBox="1"/>
-          <p:nvPr/>
-        </p:nvSpPr>
-        <p:spPr>
-          <a:xfrm>
-            <a:off x="6985967" y="3998331"/>
-            <a:ext cx="1247096" cy="400110"/>
-          </a:xfrm>
-          <a:prstGeom prst="rect">
-            <a:avLst/>
-          </a:prstGeom>
-          <a:noFill/>
-        </p:spPr>
-        <p:txBody>
-          <a:bodyPr wrap="square" rtlCol="0">
-            <a:spAutoFit/>
-          </a:bodyPr>
-          <a:lstStyle/>
-          <a:p>
-            <a:r>
-              <a:rPr lang="ko-KR" altLang="en-US" sz="2000" b="1" dirty="0" err="1">
-                <a:solidFill>
-                  <a:schemeClr val="bg1"/>
-                </a:solidFill>
-              </a:rPr>
-              <a:t>이은혁</a:t>
-            </a:r>
-            <a:endParaRPr lang="ko-KR" altLang="en-US" sz="2000" b="1" dirty="0">
-              <a:solidFill>
-                <a:schemeClr val="bg1"/>
-              </a:solidFill>
-            </a:endParaRPr>
-          </a:p>
-        </p:txBody>
-      </p:sp>
-      <p:sp>
-        <p:nvSpPr>
-          <p:cNvPr id="18" name="순서도: 처리 17">
-            <a:extLst>
-              <a:ext uri="{FF2B5EF4-FFF2-40B4-BE49-F238E27FC236}">
-                <a16:creationId xmlns:a16="http://schemas.microsoft.com/office/drawing/2014/main" id="{388FD508-286A-D68F-E2EC-A76BF75436D8}"/>
-              </a:ext>
-            </a:extLst>
-          </p:cNvPr>
-          <p:cNvSpPr/>
-          <p:nvPr/>
-        </p:nvSpPr>
-        <p:spPr>
-          <a:xfrm>
-            <a:off x="7006623" y="4899358"/>
-            <a:ext cx="4509584" cy="801059"/>
-          </a:xfrm>
-          <a:prstGeom prst="flowChartProcess">
-            <a:avLst/>
-          </a:prstGeom>
-          <a:solidFill>
-            <a:schemeClr val="dk1">
-              <a:alpha val="50000"/>
-            </a:schemeClr>
-          </a:solidFill>
-          <a:ln>
-            <a:noFill/>
-          </a:ln>
-        </p:spPr>
-        <p:style>
-          <a:lnRef idx="0">
-            <a:scrgbClr r="0" g="0" b="0"/>
-          </a:lnRef>
-          <a:fillRef idx="0">
-            <a:scrgbClr r="0" g="0" b="0"/>
-          </a:fillRef>
-          <a:effectRef idx="0">
-            <a:scrgbClr r="0" g="0" b="0"/>
-          </a:effectRef>
-          <a:fontRef idx="minor">
-            <a:schemeClr val="lt1"/>
-          </a:fontRef>
-        </p:style>
-        <p:txBody>
-          <a:bodyPr rtlCol="0" anchor="ctr"/>
-          <a:lstStyle/>
-          <a:p>
-            <a:pPr algn="ctr"/>
-            <a:endParaRPr lang="ko-KR" altLang="en-US" dirty="0"/>
-          </a:p>
-        </p:txBody>
-      </p:sp>
-      <p:sp>
-        <p:nvSpPr>
-          <p:cNvPr id="19" name="TextBox 18">
-            <a:extLst>
-              <a:ext uri="{FF2B5EF4-FFF2-40B4-BE49-F238E27FC236}">
-                <a16:creationId xmlns:a16="http://schemas.microsoft.com/office/drawing/2014/main" id="{E320C950-A9A7-DDCC-3137-2804E076BB13}"/>
-              </a:ext>
-            </a:extLst>
-          </p:cNvPr>
-          <p:cNvSpPr txBox="1"/>
-          <p:nvPr/>
-        </p:nvSpPr>
-        <p:spPr>
-          <a:xfrm>
-            <a:off x="6991130" y="4821223"/>
-            <a:ext cx="1247096" cy="400110"/>
-          </a:xfrm>
-          <a:prstGeom prst="rect">
-            <a:avLst/>
-          </a:prstGeom>
-          <a:noFill/>
-        </p:spPr>
-        <p:txBody>
-          <a:bodyPr wrap="square" rtlCol="0">
-            <a:spAutoFit/>
-          </a:bodyPr>
-          <a:lstStyle/>
-          <a:p>
-            <a:r>
-              <a:rPr lang="ko-KR" altLang="en-US" sz="2000" b="1" dirty="0">
-                <a:solidFill>
-                  <a:schemeClr val="bg1"/>
-                </a:solidFill>
-              </a:rPr>
-              <a:t>김예준</a:t>
-            </a:r>
-          </a:p>
-        </p:txBody>
-      </p:sp>
-      <p:sp>
-        <p:nvSpPr>
-          <p:cNvPr id="20" name="순서도: 처리 19">
-            <a:extLst>
-              <a:ext uri="{FF2B5EF4-FFF2-40B4-BE49-F238E27FC236}">
-                <a16:creationId xmlns:a16="http://schemas.microsoft.com/office/drawing/2014/main" id="{801B21B4-8F0D-95A0-7D89-9BC8DF2680EF}"/>
-              </a:ext>
-            </a:extLst>
-          </p:cNvPr>
-          <p:cNvSpPr/>
-          <p:nvPr/>
-        </p:nvSpPr>
-        <p:spPr>
-          <a:xfrm>
-            <a:off x="268508" y="4568626"/>
-            <a:ext cx="5546736" cy="1252153"/>
-          </a:xfrm>
-          <a:prstGeom prst="flowChartProcess">
-            <a:avLst/>
-          </a:prstGeom>
-          <a:solidFill>
-            <a:schemeClr val="dk1">
-              <a:alpha val="50000"/>
-            </a:schemeClr>
-          </a:solidFill>
-          <a:ln>
-            <a:noFill/>
-          </a:ln>
-        </p:spPr>
-        <p:style>
-          <a:lnRef idx="0">
-            <a:scrgbClr r="0" g="0" b="0"/>
-          </a:lnRef>
-          <a:fillRef idx="0">
-            <a:scrgbClr r="0" g="0" b="0"/>
-          </a:fillRef>
-          <a:effectRef idx="0">
-            <a:scrgbClr r="0" g="0" b="0"/>
-          </a:effectRef>
-          <a:fontRef idx="minor">
-            <a:schemeClr val="lt1"/>
-          </a:fontRef>
-        </p:style>
-        <p:txBody>
-          <a:bodyPr rtlCol="0" anchor="ctr"/>
-          <a:lstStyle/>
-          <a:p>
-            <a:pPr algn="ctr"/>
-            <a:endParaRPr lang="ko-KR" altLang="en-US" dirty="0"/>
-          </a:p>
-        </p:txBody>
-      </p:sp>
-      <p:sp>
-        <p:nvSpPr>
-          <p:cNvPr id="22" name="TextBox 21">
-            <a:extLst>
-              <a:ext uri="{FF2B5EF4-FFF2-40B4-BE49-F238E27FC236}">
-                <a16:creationId xmlns:a16="http://schemas.microsoft.com/office/drawing/2014/main" id="{473D0580-5BE1-5973-318E-D9228E7454F9}"/>
-              </a:ext>
-            </a:extLst>
-          </p:cNvPr>
-          <p:cNvSpPr txBox="1"/>
-          <p:nvPr/>
-        </p:nvSpPr>
-        <p:spPr>
-          <a:xfrm>
-            <a:off x="255773" y="3317493"/>
-            <a:ext cx="1247096" cy="400110"/>
-          </a:xfrm>
-          <a:prstGeom prst="rect">
-            <a:avLst/>
-          </a:prstGeom>
-          <a:noFill/>
-        </p:spPr>
-        <p:txBody>
-          <a:bodyPr wrap="square" rtlCol="0">
-            <a:spAutoFit/>
-          </a:bodyPr>
-          <a:lstStyle/>
-          <a:p>
-            <a:r>
-              <a:rPr lang="ko-KR" altLang="en-US" sz="2000" b="1" dirty="0">
-                <a:solidFill>
-                  <a:schemeClr val="bg1"/>
-                </a:solidFill>
-              </a:rPr>
-              <a:t>장보명</a:t>
-            </a:r>
-          </a:p>
-        </p:txBody>
-      </p:sp>
-      <p:sp>
-        <p:nvSpPr>
-          <p:cNvPr id="23" name="TextBox 22">
-            <a:extLst>
-              <a:ext uri="{FF2B5EF4-FFF2-40B4-BE49-F238E27FC236}">
-                <a16:creationId xmlns:a16="http://schemas.microsoft.com/office/drawing/2014/main" id="{3E0040AF-5C60-5D4F-2E02-CFB1B9CEFAFF}"/>
-              </a:ext>
-            </a:extLst>
-          </p:cNvPr>
-          <p:cNvSpPr txBox="1"/>
-          <p:nvPr/>
-        </p:nvSpPr>
-        <p:spPr>
-          <a:xfrm>
-            <a:off x="255773" y="5420670"/>
-            <a:ext cx="1247096" cy="400110"/>
-          </a:xfrm>
-          <a:prstGeom prst="rect">
-            <a:avLst/>
-          </a:prstGeom>
-          <a:noFill/>
-        </p:spPr>
-        <p:txBody>
-          <a:bodyPr wrap="square" rtlCol="0">
-            <a:spAutoFit/>
-          </a:bodyPr>
-          <a:lstStyle/>
-          <a:p>
-            <a:r>
-              <a:rPr lang="ko-KR" altLang="en-US" sz="2000" b="1" dirty="0" err="1">
-                <a:solidFill>
-                  <a:schemeClr val="bg1"/>
-                </a:solidFill>
-              </a:rPr>
-              <a:t>전영빈</a:t>
-            </a:r>
-            <a:endParaRPr lang="ko-KR" altLang="en-US" sz="2000" b="1" dirty="0">
-              <a:solidFill>
-                <a:schemeClr val="bg1"/>
-              </a:solidFill>
-            </a:endParaRPr>
+              <a:rPr lang="ko-KR" altLang="en-US"/>
+              <a:t>요청 및 제공</a:t>
+            </a:r>
           </a:p>
         </p:txBody>
       </p:sp>
     </p:spTree>
     <p:extLst>
       <p:ext uri="{BB962C8B-B14F-4D97-AF65-F5344CB8AC3E}">
-        <p14:creationId xmlns:p14="http://schemas.microsoft.com/office/powerpoint/2010/main" val="2775366453"/>
+        <p14:creationId xmlns:p14="http://schemas.microsoft.com/office/powerpoint/2010/main" val="824207446"/>
       </p:ext>
     </p:extLst>
   </p:cSld>
@@ -9253,6 +8223,107 @@
           <a:chExt cx="0" cy="0"/>
         </a:xfrm>
       </p:grpSpPr>
+      <p:grpSp>
+        <p:nvGrpSpPr>
+          <p:cNvPr id="11" name="그룹 10">
+            <a:extLst>
+              <a:ext uri="{FF2B5EF4-FFF2-40B4-BE49-F238E27FC236}">
+                <a16:creationId xmlns:a16="http://schemas.microsoft.com/office/drawing/2014/main" id="{44949381-3CE1-3CE5-A5E7-22386D9F127D}"/>
+              </a:ext>
+            </a:extLst>
+          </p:cNvPr>
+          <p:cNvGrpSpPr/>
+          <p:nvPr/>
+        </p:nvGrpSpPr>
+        <p:grpSpPr>
+          <a:xfrm>
+            <a:off x="7006623" y="2373418"/>
+            <a:ext cx="4509584" cy="3968294"/>
+            <a:chOff x="5420658" y="2390671"/>
+            <a:chExt cx="6442636" cy="4213412"/>
+          </a:xfrm>
+        </p:grpSpPr>
+        <p:sp>
+          <p:nvSpPr>
+            <p:cNvPr id="3" name="직사각형 2">
+              <a:extLst>
+                <a:ext uri="{FF2B5EF4-FFF2-40B4-BE49-F238E27FC236}">
+                  <a16:creationId xmlns:a16="http://schemas.microsoft.com/office/drawing/2014/main" id="{AE3250B9-4F60-046D-DFD2-6A46DCFD1880}"/>
+                </a:ext>
+              </a:extLst>
+            </p:cNvPr>
+            <p:cNvSpPr/>
+            <p:nvPr/>
+          </p:nvSpPr>
+          <p:spPr>
+            <a:xfrm>
+              <a:off x="5420658" y="2390671"/>
+              <a:ext cx="6442636" cy="4213412"/>
+            </a:xfrm>
+            <a:prstGeom prst="rect">
+              <a:avLst/>
+            </a:prstGeom>
+          </p:spPr>
+          <p:style>
+            <a:lnRef idx="1">
+              <a:schemeClr val="accent4"/>
+            </a:lnRef>
+            <a:fillRef idx="2">
+              <a:schemeClr val="accent4"/>
+            </a:fillRef>
+            <a:effectRef idx="1">
+              <a:schemeClr val="accent4"/>
+            </a:effectRef>
+            <a:fontRef idx="minor">
+              <a:schemeClr val="dk1"/>
+            </a:fontRef>
+          </p:style>
+          <p:txBody>
+            <a:bodyPr rtlCol="0" anchor="ctr"/>
+            <a:lstStyle/>
+            <a:p>
+              <a:pPr algn="ctr"/>
+              <a:endParaRPr lang="ko-KR" altLang="en-US" dirty="0"/>
+            </a:p>
+          </p:txBody>
+        </p:sp>
+        <p:sp>
+          <p:nvSpPr>
+            <p:cNvPr id="9" name="TextBox 8">
+              <a:extLst>
+                <a:ext uri="{FF2B5EF4-FFF2-40B4-BE49-F238E27FC236}">
+                  <a16:creationId xmlns:a16="http://schemas.microsoft.com/office/drawing/2014/main" id="{08F324C7-3A64-B0FD-2E0D-56E513A622D7}"/>
+                </a:ext>
+              </a:extLst>
+            </p:cNvPr>
+            <p:cNvSpPr txBox="1"/>
+            <p:nvPr/>
+          </p:nvSpPr>
+          <p:spPr>
+            <a:xfrm>
+              <a:off x="5420658" y="2436069"/>
+              <a:ext cx="2234907" cy="400110"/>
+            </a:xfrm>
+            <a:prstGeom prst="rect">
+              <a:avLst/>
+            </a:prstGeom>
+            <a:noFill/>
+          </p:spPr>
+          <p:txBody>
+            <a:bodyPr wrap="none" rtlCol="0">
+              <a:spAutoFit/>
+            </a:bodyPr>
+            <a:lstStyle/>
+            <a:p>
+              <a:r>
+                <a:rPr lang="en-US" altLang="ko-KR" sz="2000" b="1" dirty="0"/>
+                <a:t>Third Party Apps</a:t>
+              </a:r>
+              <a:endParaRPr lang="ko-KR" altLang="en-US" sz="2000" b="1" dirty="0"/>
+            </a:p>
+          </p:txBody>
+        </p:sp>
+      </p:grpSp>
       <p:sp>
         <p:nvSpPr>
           <p:cNvPr id="2" name="제목 1">
@@ -9275,8 +8346,159 @@
           <a:lstStyle/>
           <a:p>
             <a:r>
+              <a:rPr kumimoji="1" lang="ko-KR" altLang="en-US" sz="4400" dirty="0" err="1"/>
+              <a:t>파트별</a:t>
+            </a:r>
+            <a:r>
               <a:rPr kumimoji="1" lang="ko-KR" altLang="en-US" sz="4400" dirty="0"/>
-              <a:t>휴게소 서비스 소개</a:t>
+              <a:t> 소개</a:t>
+            </a:r>
+          </a:p>
+        </p:txBody>
+      </p:sp>
+      <p:sp>
+        <p:nvSpPr>
+          <p:cNvPr id="6" name="직사각형 5">
+            <a:extLst>
+              <a:ext uri="{FF2B5EF4-FFF2-40B4-BE49-F238E27FC236}">
+                <a16:creationId xmlns:a16="http://schemas.microsoft.com/office/drawing/2014/main" id="{A3DCCAAE-41CA-F996-C75A-0F92A3F0469D}"/>
+              </a:ext>
+            </a:extLst>
+          </p:cNvPr>
+          <p:cNvSpPr/>
+          <p:nvPr/>
+        </p:nvSpPr>
+        <p:spPr>
+          <a:xfrm>
+            <a:off x="7313713" y="4978766"/>
+            <a:ext cx="3874746" cy="674914"/>
+          </a:xfrm>
+          <a:prstGeom prst="rect">
+            <a:avLst/>
+          </a:prstGeom>
+        </p:spPr>
+        <p:style>
+          <a:lnRef idx="2">
+            <a:schemeClr val="accent1">
+              <a:shade val="15000"/>
+            </a:schemeClr>
+          </a:lnRef>
+          <a:fillRef idx="1">
+            <a:schemeClr val="accent1"/>
+          </a:fillRef>
+          <a:effectRef idx="0">
+            <a:schemeClr val="accent1"/>
+          </a:effectRef>
+          <a:fontRef idx="minor">
+            <a:schemeClr val="lt1"/>
+          </a:fontRef>
+        </p:style>
+        <p:txBody>
+          <a:bodyPr rtlCol="0" anchor="ctr"/>
+          <a:lstStyle/>
+          <a:p>
+            <a:pPr algn="ctr"/>
+            <a:r>
+              <a:rPr kumimoji="1" lang="ko-KR" altLang="en-US" sz="2400" dirty="0"/>
+              <a:t>학습 서비스</a:t>
+            </a:r>
+          </a:p>
+        </p:txBody>
+      </p:sp>
+      <p:sp>
+        <p:nvSpPr>
+          <p:cNvPr id="7" name="직사각형 6">
+            <a:extLst>
+              <a:ext uri="{FF2B5EF4-FFF2-40B4-BE49-F238E27FC236}">
+                <a16:creationId xmlns:a16="http://schemas.microsoft.com/office/drawing/2014/main" id="{2BB85375-C43B-C97C-B0D0-75818BD16D0F}"/>
+              </a:ext>
+            </a:extLst>
+          </p:cNvPr>
+          <p:cNvSpPr/>
+          <p:nvPr/>
+        </p:nvSpPr>
+        <p:spPr>
+          <a:xfrm>
+            <a:off x="7313714" y="4068174"/>
+            <a:ext cx="3874746" cy="674914"/>
+          </a:xfrm>
+          <a:prstGeom prst="rect">
+            <a:avLst/>
+          </a:prstGeom>
+        </p:spPr>
+        <p:style>
+          <a:lnRef idx="2">
+            <a:schemeClr val="accent1">
+              <a:shade val="15000"/>
+            </a:schemeClr>
+          </a:lnRef>
+          <a:fillRef idx="1">
+            <a:schemeClr val="accent1"/>
+          </a:fillRef>
+          <a:effectRef idx="0">
+            <a:schemeClr val="accent1"/>
+          </a:effectRef>
+          <a:fontRef idx="minor">
+            <a:schemeClr val="lt1"/>
+          </a:fontRef>
+        </p:style>
+        <p:txBody>
+          <a:bodyPr rtlCol="0" anchor="ctr"/>
+          <a:lstStyle/>
+          <a:p>
+            <a:pPr algn="ctr"/>
+            <a:r>
+              <a:rPr kumimoji="1" lang="ko-KR" altLang="en-US" sz="2400" dirty="0"/>
+              <a:t>후원 서비스</a:t>
+            </a:r>
+          </a:p>
+        </p:txBody>
+      </p:sp>
+      <p:sp>
+        <p:nvSpPr>
+          <p:cNvPr id="8" name="직사각형 7">
+            <a:extLst>
+              <a:ext uri="{FF2B5EF4-FFF2-40B4-BE49-F238E27FC236}">
+                <a16:creationId xmlns:a16="http://schemas.microsoft.com/office/drawing/2014/main" id="{D80869D7-2101-D99F-D85C-68D22774C4FB}"/>
+              </a:ext>
+            </a:extLst>
+          </p:cNvPr>
+          <p:cNvSpPr/>
+          <p:nvPr/>
+        </p:nvSpPr>
+        <p:spPr>
+          <a:xfrm>
+            <a:off x="7313713" y="3180223"/>
+            <a:ext cx="3874747" cy="674914"/>
+          </a:xfrm>
+          <a:prstGeom prst="rect">
+            <a:avLst/>
+          </a:prstGeom>
+        </p:spPr>
+        <p:style>
+          <a:lnRef idx="2">
+            <a:schemeClr val="accent1">
+              <a:shade val="15000"/>
+            </a:schemeClr>
+          </a:lnRef>
+          <a:fillRef idx="1">
+            <a:schemeClr val="accent1"/>
+          </a:fillRef>
+          <a:effectRef idx="0">
+            <a:schemeClr val="accent1"/>
+          </a:effectRef>
+          <a:fontRef idx="minor">
+            <a:schemeClr val="lt1"/>
+          </a:fontRef>
+        </p:style>
+        <p:txBody>
+          <a:bodyPr rtlCol="0" anchor="ctr"/>
+          <a:lstStyle/>
+          <a:p>
+            <a:pPr algn="ctr"/>
+            <a:r>
+              <a:rPr kumimoji="1" lang="ko-KR" altLang="en-US" sz="2400" dirty="0"/>
+              <a:t>이력서 서비스</a:t>
             </a:r>
           </a:p>
         </p:txBody>
@@ -9660,6 +8882,854 @@
       </p:sp>
       <p:sp>
         <p:nvSpPr>
+          <p:cNvPr id="13" name="순서도: 처리 12">
+            <a:extLst>
+              <a:ext uri="{FF2B5EF4-FFF2-40B4-BE49-F238E27FC236}">
+                <a16:creationId xmlns:a16="http://schemas.microsoft.com/office/drawing/2014/main" id="{F5700BCD-1B70-CCB0-7777-996AD6F876D5}"/>
+              </a:ext>
+            </a:extLst>
+          </p:cNvPr>
+          <p:cNvSpPr/>
+          <p:nvPr/>
+        </p:nvSpPr>
+        <p:spPr>
+          <a:xfrm>
+            <a:off x="7006623" y="3114901"/>
+            <a:ext cx="4509584" cy="805295"/>
+          </a:xfrm>
+          <a:prstGeom prst="flowChartProcess">
+            <a:avLst/>
+          </a:prstGeom>
+          <a:solidFill>
+            <a:schemeClr val="dk1">
+              <a:alpha val="50000"/>
+            </a:schemeClr>
+          </a:solidFill>
+          <a:ln>
+            <a:noFill/>
+          </a:ln>
+        </p:spPr>
+        <p:style>
+          <a:lnRef idx="0">
+            <a:scrgbClr r="0" g="0" b="0"/>
+          </a:lnRef>
+          <a:fillRef idx="0">
+            <a:scrgbClr r="0" g="0" b="0"/>
+          </a:fillRef>
+          <a:effectRef idx="0">
+            <a:scrgbClr r="0" g="0" b="0"/>
+          </a:effectRef>
+          <a:fontRef idx="minor">
+            <a:schemeClr val="lt1"/>
+          </a:fontRef>
+        </p:style>
+        <p:txBody>
+          <a:bodyPr rtlCol="0" anchor="ctr"/>
+          <a:lstStyle/>
+          <a:p>
+            <a:pPr algn="ctr"/>
+            <a:endParaRPr lang="ko-KR" altLang="en-US" dirty="0"/>
+          </a:p>
+        </p:txBody>
+      </p:sp>
+      <p:sp>
+        <p:nvSpPr>
+          <p:cNvPr id="14" name="TextBox 13">
+            <a:extLst>
+              <a:ext uri="{FF2B5EF4-FFF2-40B4-BE49-F238E27FC236}">
+                <a16:creationId xmlns:a16="http://schemas.microsoft.com/office/drawing/2014/main" id="{FA7AE4D6-D923-D251-DE6C-3F851E9D579A}"/>
+              </a:ext>
+            </a:extLst>
+          </p:cNvPr>
+          <p:cNvSpPr txBox="1"/>
+          <p:nvPr/>
+        </p:nvSpPr>
+        <p:spPr>
+          <a:xfrm>
+            <a:off x="6962633" y="3051774"/>
+            <a:ext cx="1247096" cy="400110"/>
+          </a:xfrm>
+          <a:prstGeom prst="rect">
+            <a:avLst/>
+          </a:prstGeom>
+          <a:noFill/>
+        </p:spPr>
+        <p:txBody>
+          <a:bodyPr wrap="square" rtlCol="0">
+            <a:spAutoFit/>
+          </a:bodyPr>
+          <a:lstStyle/>
+          <a:p>
+            <a:r>
+              <a:rPr lang="ko-KR" altLang="en-US" sz="2000" b="1" dirty="0">
+                <a:solidFill>
+                  <a:schemeClr val="bg1"/>
+                </a:solidFill>
+              </a:rPr>
+              <a:t>김세영</a:t>
+            </a:r>
+          </a:p>
+        </p:txBody>
+      </p:sp>
+      <p:sp>
+        <p:nvSpPr>
+          <p:cNvPr id="15" name="순서도: 처리 14">
+            <a:extLst>
+              <a:ext uri="{FF2B5EF4-FFF2-40B4-BE49-F238E27FC236}">
+                <a16:creationId xmlns:a16="http://schemas.microsoft.com/office/drawing/2014/main" id="{13CE101F-1CF0-23F4-8B77-8B9ED745FC8E}"/>
+              </a:ext>
+            </a:extLst>
+          </p:cNvPr>
+          <p:cNvSpPr/>
+          <p:nvPr/>
+        </p:nvSpPr>
+        <p:spPr>
+          <a:xfrm>
+            <a:off x="7006623" y="4020164"/>
+            <a:ext cx="4509584" cy="801059"/>
+          </a:xfrm>
+          <a:prstGeom prst="flowChartProcess">
+            <a:avLst/>
+          </a:prstGeom>
+          <a:solidFill>
+            <a:schemeClr val="dk1">
+              <a:alpha val="50000"/>
+            </a:schemeClr>
+          </a:solidFill>
+          <a:ln>
+            <a:noFill/>
+          </a:ln>
+        </p:spPr>
+        <p:style>
+          <a:lnRef idx="0">
+            <a:scrgbClr r="0" g="0" b="0"/>
+          </a:lnRef>
+          <a:fillRef idx="0">
+            <a:scrgbClr r="0" g="0" b="0"/>
+          </a:fillRef>
+          <a:effectRef idx="0">
+            <a:scrgbClr r="0" g="0" b="0"/>
+          </a:effectRef>
+          <a:fontRef idx="minor">
+            <a:schemeClr val="lt1"/>
+          </a:fontRef>
+        </p:style>
+        <p:txBody>
+          <a:bodyPr rtlCol="0" anchor="ctr"/>
+          <a:lstStyle/>
+          <a:p>
+            <a:pPr algn="ctr"/>
+            <a:endParaRPr lang="ko-KR" altLang="en-US" dirty="0"/>
+          </a:p>
+        </p:txBody>
+      </p:sp>
+      <p:sp>
+        <p:nvSpPr>
+          <p:cNvPr id="17" name="TextBox 16">
+            <a:extLst>
+              <a:ext uri="{FF2B5EF4-FFF2-40B4-BE49-F238E27FC236}">
+                <a16:creationId xmlns:a16="http://schemas.microsoft.com/office/drawing/2014/main" id="{AC414C31-75FA-966B-B5EB-E4650DD3C95C}"/>
+              </a:ext>
+            </a:extLst>
+          </p:cNvPr>
+          <p:cNvSpPr txBox="1"/>
+          <p:nvPr/>
+        </p:nvSpPr>
+        <p:spPr>
+          <a:xfrm>
+            <a:off x="6985967" y="3998331"/>
+            <a:ext cx="1247096" cy="400110"/>
+          </a:xfrm>
+          <a:prstGeom prst="rect">
+            <a:avLst/>
+          </a:prstGeom>
+          <a:noFill/>
+        </p:spPr>
+        <p:txBody>
+          <a:bodyPr wrap="square" rtlCol="0">
+            <a:spAutoFit/>
+          </a:bodyPr>
+          <a:lstStyle/>
+          <a:p>
+            <a:r>
+              <a:rPr lang="ko-KR" altLang="en-US" sz="2000" b="1" dirty="0" err="1">
+                <a:solidFill>
+                  <a:schemeClr val="bg1"/>
+                </a:solidFill>
+              </a:rPr>
+              <a:t>이은혁</a:t>
+            </a:r>
+            <a:endParaRPr lang="ko-KR" altLang="en-US" sz="2000" b="1" dirty="0">
+              <a:solidFill>
+                <a:schemeClr val="bg1"/>
+              </a:solidFill>
+            </a:endParaRPr>
+          </a:p>
+        </p:txBody>
+      </p:sp>
+      <p:sp>
+        <p:nvSpPr>
+          <p:cNvPr id="18" name="순서도: 처리 17">
+            <a:extLst>
+              <a:ext uri="{FF2B5EF4-FFF2-40B4-BE49-F238E27FC236}">
+                <a16:creationId xmlns:a16="http://schemas.microsoft.com/office/drawing/2014/main" id="{388FD508-286A-D68F-E2EC-A76BF75436D8}"/>
+              </a:ext>
+            </a:extLst>
+          </p:cNvPr>
+          <p:cNvSpPr/>
+          <p:nvPr/>
+        </p:nvSpPr>
+        <p:spPr>
+          <a:xfrm>
+            <a:off x="7006623" y="4899358"/>
+            <a:ext cx="4509584" cy="801059"/>
+          </a:xfrm>
+          <a:prstGeom prst="flowChartProcess">
+            <a:avLst/>
+          </a:prstGeom>
+          <a:solidFill>
+            <a:schemeClr val="dk1">
+              <a:alpha val="50000"/>
+            </a:schemeClr>
+          </a:solidFill>
+          <a:ln>
+            <a:noFill/>
+          </a:ln>
+        </p:spPr>
+        <p:style>
+          <a:lnRef idx="0">
+            <a:scrgbClr r="0" g="0" b="0"/>
+          </a:lnRef>
+          <a:fillRef idx="0">
+            <a:scrgbClr r="0" g="0" b="0"/>
+          </a:fillRef>
+          <a:effectRef idx="0">
+            <a:scrgbClr r="0" g="0" b="0"/>
+          </a:effectRef>
+          <a:fontRef idx="minor">
+            <a:schemeClr val="lt1"/>
+          </a:fontRef>
+        </p:style>
+        <p:txBody>
+          <a:bodyPr rtlCol="0" anchor="ctr"/>
+          <a:lstStyle/>
+          <a:p>
+            <a:pPr algn="ctr"/>
+            <a:endParaRPr lang="ko-KR" altLang="en-US" dirty="0"/>
+          </a:p>
+        </p:txBody>
+      </p:sp>
+      <p:sp>
+        <p:nvSpPr>
+          <p:cNvPr id="19" name="TextBox 18">
+            <a:extLst>
+              <a:ext uri="{FF2B5EF4-FFF2-40B4-BE49-F238E27FC236}">
+                <a16:creationId xmlns:a16="http://schemas.microsoft.com/office/drawing/2014/main" id="{E320C950-A9A7-DDCC-3137-2804E076BB13}"/>
+              </a:ext>
+            </a:extLst>
+          </p:cNvPr>
+          <p:cNvSpPr txBox="1"/>
+          <p:nvPr/>
+        </p:nvSpPr>
+        <p:spPr>
+          <a:xfrm>
+            <a:off x="6991130" y="4821223"/>
+            <a:ext cx="1247096" cy="400110"/>
+          </a:xfrm>
+          <a:prstGeom prst="rect">
+            <a:avLst/>
+          </a:prstGeom>
+          <a:noFill/>
+        </p:spPr>
+        <p:txBody>
+          <a:bodyPr wrap="square" rtlCol="0">
+            <a:spAutoFit/>
+          </a:bodyPr>
+          <a:lstStyle/>
+          <a:p>
+            <a:r>
+              <a:rPr lang="ko-KR" altLang="en-US" sz="2000" b="1" dirty="0">
+                <a:solidFill>
+                  <a:schemeClr val="bg1"/>
+                </a:solidFill>
+              </a:rPr>
+              <a:t>김예준</a:t>
+            </a:r>
+          </a:p>
+        </p:txBody>
+      </p:sp>
+      <p:sp>
+        <p:nvSpPr>
+          <p:cNvPr id="20" name="순서도: 처리 19">
+            <a:extLst>
+              <a:ext uri="{FF2B5EF4-FFF2-40B4-BE49-F238E27FC236}">
+                <a16:creationId xmlns:a16="http://schemas.microsoft.com/office/drawing/2014/main" id="{801B21B4-8F0D-95A0-7D89-9BC8DF2680EF}"/>
+              </a:ext>
+            </a:extLst>
+          </p:cNvPr>
+          <p:cNvSpPr/>
+          <p:nvPr/>
+        </p:nvSpPr>
+        <p:spPr>
+          <a:xfrm>
+            <a:off x="268508" y="4568626"/>
+            <a:ext cx="5546736" cy="1252153"/>
+          </a:xfrm>
+          <a:prstGeom prst="flowChartProcess">
+            <a:avLst/>
+          </a:prstGeom>
+          <a:solidFill>
+            <a:schemeClr val="dk1">
+              <a:alpha val="50000"/>
+            </a:schemeClr>
+          </a:solidFill>
+          <a:ln>
+            <a:noFill/>
+          </a:ln>
+        </p:spPr>
+        <p:style>
+          <a:lnRef idx="0">
+            <a:scrgbClr r="0" g="0" b="0"/>
+          </a:lnRef>
+          <a:fillRef idx="0">
+            <a:scrgbClr r="0" g="0" b="0"/>
+          </a:fillRef>
+          <a:effectRef idx="0">
+            <a:scrgbClr r="0" g="0" b="0"/>
+          </a:effectRef>
+          <a:fontRef idx="minor">
+            <a:schemeClr val="lt1"/>
+          </a:fontRef>
+        </p:style>
+        <p:txBody>
+          <a:bodyPr rtlCol="0" anchor="ctr"/>
+          <a:lstStyle/>
+          <a:p>
+            <a:pPr algn="ctr"/>
+            <a:endParaRPr lang="ko-KR" altLang="en-US" dirty="0"/>
+          </a:p>
+        </p:txBody>
+      </p:sp>
+      <p:sp>
+        <p:nvSpPr>
+          <p:cNvPr id="22" name="TextBox 21">
+            <a:extLst>
+              <a:ext uri="{FF2B5EF4-FFF2-40B4-BE49-F238E27FC236}">
+                <a16:creationId xmlns:a16="http://schemas.microsoft.com/office/drawing/2014/main" id="{473D0580-5BE1-5973-318E-D9228E7454F9}"/>
+              </a:ext>
+            </a:extLst>
+          </p:cNvPr>
+          <p:cNvSpPr txBox="1"/>
+          <p:nvPr/>
+        </p:nvSpPr>
+        <p:spPr>
+          <a:xfrm>
+            <a:off x="255773" y="3317493"/>
+            <a:ext cx="1247096" cy="400110"/>
+          </a:xfrm>
+          <a:prstGeom prst="rect">
+            <a:avLst/>
+          </a:prstGeom>
+          <a:noFill/>
+        </p:spPr>
+        <p:txBody>
+          <a:bodyPr wrap="square" rtlCol="0">
+            <a:spAutoFit/>
+          </a:bodyPr>
+          <a:lstStyle/>
+          <a:p>
+            <a:r>
+              <a:rPr lang="ko-KR" altLang="en-US" sz="2000" b="1" dirty="0">
+                <a:solidFill>
+                  <a:schemeClr val="bg1"/>
+                </a:solidFill>
+              </a:rPr>
+              <a:t>장보명</a:t>
+            </a:r>
+          </a:p>
+        </p:txBody>
+      </p:sp>
+      <p:sp>
+        <p:nvSpPr>
+          <p:cNvPr id="23" name="TextBox 22">
+            <a:extLst>
+              <a:ext uri="{FF2B5EF4-FFF2-40B4-BE49-F238E27FC236}">
+                <a16:creationId xmlns:a16="http://schemas.microsoft.com/office/drawing/2014/main" id="{3E0040AF-5C60-5D4F-2E02-CFB1B9CEFAFF}"/>
+              </a:ext>
+            </a:extLst>
+          </p:cNvPr>
+          <p:cNvSpPr txBox="1"/>
+          <p:nvPr/>
+        </p:nvSpPr>
+        <p:spPr>
+          <a:xfrm>
+            <a:off x="255773" y="5420670"/>
+            <a:ext cx="1247096" cy="400110"/>
+          </a:xfrm>
+          <a:prstGeom prst="rect">
+            <a:avLst/>
+          </a:prstGeom>
+          <a:noFill/>
+        </p:spPr>
+        <p:txBody>
+          <a:bodyPr wrap="square" rtlCol="0">
+            <a:spAutoFit/>
+          </a:bodyPr>
+          <a:lstStyle/>
+          <a:p>
+            <a:r>
+              <a:rPr lang="ko-KR" altLang="en-US" sz="2000" b="1" dirty="0" err="1">
+                <a:solidFill>
+                  <a:schemeClr val="bg1"/>
+                </a:solidFill>
+              </a:rPr>
+              <a:t>전영빈</a:t>
+            </a:r>
+            <a:endParaRPr lang="ko-KR" altLang="en-US" sz="2000" b="1" dirty="0">
+              <a:solidFill>
+                <a:schemeClr val="bg1"/>
+              </a:solidFill>
+            </a:endParaRPr>
+          </a:p>
+        </p:txBody>
+      </p:sp>
+    </p:spTree>
+    <p:extLst>
+      <p:ext uri="{BB962C8B-B14F-4D97-AF65-F5344CB8AC3E}">
+        <p14:creationId xmlns:p14="http://schemas.microsoft.com/office/powerpoint/2010/main" val="2775366453"/>
+      </p:ext>
+    </p:extLst>
+  </p:cSld>
+  <p:clrMapOvr>
+    <a:masterClrMapping/>
+  </p:clrMapOvr>
+</p:sld>
+</file>
+
+<file path=ppt/slides/slide6.xml><?xml version="1.0" encoding="utf-8"?>
+<p:sld xmlns:a="http://schemas.openxmlformats.org/drawingml/2006/main" xmlns:r="http://schemas.openxmlformats.org/officeDocument/2006/relationships" xmlns:p="http://schemas.openxmlformats.org/presentationml/2006/main">
+  <p:cSld>
+    <p:spTree>
+      <p:nvGrpSpPr>
+        <p:cNvPr id="1" name=""/>
+        <p:cNvGrpSpPr/>
+        <p:nvPr/>
+      </p:nvGrpSpPr>
+      <p:grpSpPr>
+        <a:xfrm>
+          <a:off x="0" y="0"/>
+          <a:ext cx="0" cy="0"/>
+          <a:chOff x="0" y="0"/>
+          <a:chExt cx="0" cy="0"/>
+        </a:xfrm>
+      </p:grpSpPr>
+      <p:sp>
+        <p:nvSpPr>
+          <p:cNvPr id="2" name="제목 1">
+            <a:extLst>
+              <a:ext uri="{FF2B5EF4-FFF2-40B4-BE49-F238E27FC236}">
+                <a16:creationId xmlns:a16="http://schemas.microsoft.com/office/drawing/2014/main" id="{C3BC1FBE-3C64-DEF0-1BEE-790EBC40A05B}"/>
+              </a:ext>
+            </a:extLst>
+          </p:cNvPr>
+          <p:cNvSpPr>
+            <a:spLocks noGrp="1"/>
+          </p:cNvSpPr>
+          <p:nvPr>
+            <p:ph type="title"/>
+          </p:nvPr>
+        </p:nvSpPr>
+        <p:spPr/>
+        <p:txBody>
+          <a:bodyPr/>
+          <a:lstStyle/>
+          <a:p>
+            <a:r>
+              <a:rPr kumimoji="1" lang="ko-KR" altLang="en-US" sz="4400" dirty="0"/>
+              <a:t>휴게소 서비스 소개</a:t>
+            </a:r>
+          </a:p>
+        </p:txBody>
+      </p:sp>
+      <p:sp>
+        <p:nvSpPr>
+          <p:cNvPr id="4" name="타원 3">
+            <a:extLst>
+              <a:ext uri="{FF2B5EF4-FFF2-40B4-BE49-F238E27FC236}">
+                <a16:creationId xmlns:a16="http://schemas.microsoft.com/office/drawing/2014/main" id="{D3015298-D36D-9A31-3A4B-2BBD4508C0D0}"/>
+              </a:ext>
+            </a:extLst>
+          </p:cNvPr>
+          <p:cNvSpPr/>
+          <p:nvPr/>
+        </p:nvSpPr>
+        <p:spPr>
+          <a:xfrm>
+            <a:off x="1722903" y="3363272"/>
+            <a:ext cx="1836168" cy="930210"/>
+          </a:xfrm>
+          <a:prstGeom prst="ellipse">
+            <a:avLst/>
+          </a:prstGeom>
+        </p:spPr>
+        <p:style>
+          <a:lnRef idx="2">
+            <a:schemeClr val="accent1">
+              <a:shade val="15000"/>
+            </a:schemeClr>
+          </a:lnRef>
+          <a:fillRef idx="1">
+            <a:schemeClr val="accent1"/>
+          </a:fillRef>
+          <a:effectRef idx="0">
+            <a:schemeClr val="accent1"/>
+          </a:effectRef>
+          <a:fontRef idx="minor">
+            <a:schemeClr val="lt1"/>
+          </a:fontRef>
+        </p:style>
+        <p:txBody>
+          <a:bodyPr rtlCol="0" anchor="ctr"/>
+          <a:lstStyle/>
+          <a:p>
+            <a:pPr algn="ctr"/>
+            <a:r>
+              <a:rPr kumimoji="1" lang="ko-KR" altLang="en-US" sz="2400" dirty="0"/>
+              <a:t>휴게소</a:t>
+            </a:r>
+            <a:endParaRPr kumimoji="1" lang="en-US" altLang="ko-KR" sz="2400" dirty="0"/>
+          </a:p>
+        </p:txBody>
+      </p:sp>
+      <p:sp>
+        <p:nvSpPr>
+          <p:cNvPr id="12" name="직사각형 11">
+            <a:extLst>
+              <a:ext uri="{FF2B5EF4-FFF2-40B4-BE49-F238E27FC236}">
+                <a16:creationId xmlns:a16="http://schemas.microsoft.com/office/drawing/2014/main" id="{23D42604-AD74-89B8-159B-CCE970F786F4}"/>
+              </a:ext>
+            </a:extLst>
+          </p:cNvPr>
+          <p:cNvSpPr/>
+          <p:nvPr/>
+        </p:nvSpPr>
+        <p:spPr>
+          <a:xfrm>
+            <a:off x="2881167" y="4715802"/>
+            <a:ext cx="1795875" cy="674914"/>
+          </a:xfrm>
+          <a:prstGeom prst="rect">
+            <a:avLst/>
+          </a:prstGeom>
+        </p:spPr>
+        <p:style>
+          <a:lnRef idx="2">
+            <a:schemeClr val="accent1">
+              <a:shade val="15000"/>
+            </a:schemeClr>
+          </a:lnRef>
+          <a:fillRef idx="1">
+            <a:schemeClr val="accent1"/>
+          </a:fillRef>
+          <a:effectRef idx="0">
+            <a:schemeClr val="accent1"/>
+          </a:effectRef>
+          <a:fontRef idx="minor">
+            <a:schemeClr val="lt1"/>
+          </a:fontRef>
+        </p:style>
+        <p:txBody>
+          <a:bodyPr rtlCol="0" anchor="ctr"/>
+          <a:lstStyle/>
+          <a:p>
+            <a:pPr algn="ctr"/>
+            <a:r>
+              <a:rPr kumimoji="1" lang="ko-KR" altLang="en-US" sz="2400" dirty="0"/>
+              <a:t>메일 서비스</a:t>
+            </a:r>
+          </a:p>
+        </p:txBody>
+      </p:sp>
+      <p:cxnSp>
+        <p:nvCxnSpPr>
+          <p:cNvPr id="16" name="직선 연결선 15">
+            <a:extLst>
+              <a:ext uri="{FF2B5EF4-FFF2-40B4-BE49-F238E27FC236}">
+                <a16:creationId xmlns:a16="http://schemas.microsoft.com/office/drawing/2014/main" id="{7D33951F-7F4A-8D34-720D-18CBCAA0D5DA}"/>
+              </a:ext>
+            </a:extLst>
+          </p:cNvPr>
+          <p:cNvCxnSpPr>
+            <a:cxnSpLocks/>
+            <a:stCxn id="4" idx="4"/>
+            <a:endCxn id="12" idx="0"/>
+          </p:cNvCxnSpPr>
+          <p:nvPr/>
+        </p:nvCxnSpPr>
+        <p:spPr>
+          <a:xfrm>
+            <a:off x="2640987" y="4293482"/>
+            <a:ext cx="1138118" cy="422320"/>
+          </a:xfrm>
+          <a:prstGeom prst="line">
+            <a:avLst/>
+          </a:prstGeom>
+          <a:ln w="28575"/>
+        </p:spPr>
+        <p:style>
+          <a:lnRef idx="1">
+            <a:schemeClr val="dk1"/>
+          </a:lnRef>
+          <a:fillRef idx="0">
+            <a:schemeClr val="dk1"/>
+          </a:fillRef>
+          <a:effectRef idx="0">
+            <a:schemeClr val="dk1"/>
+          </a:effectRef>
+          <a:fontRef idx="minor">
+            <a:schemeClr val="tx1"/>
+          </a:fontRef>
+        </p:style>
+      </p:cxnSp>
+      <p:sp>
+        <p:nvSpPr>
+          <p:cNvPr id="27" name="직사각형 26">
+            <a:extLst>
+              <a:ext uri="{FF2B5EF4-FFF2-40B4-BE49-F238E27FC236}">
+                <a16:creationId xmlns:a16="http://schemas.microsoft.com/office/drawing/2014/main" id="{190B9C63-C88C-F849-5589-2598C333795F}"/>
+              </a:ext>
+            </a:extLst>
+          </p:cNvPr>
+          <p:cNvSpPr/>
+          <p:nvPr/>
+        </p:nvSpPr>
+        <p:spPr>
+          <a:xfrm>
+            <a:off x="527115" y="4715802"/>
+            <a:ext cx="1953629" cy="674914"/>
+          </a:xfrm>
+          <a:prstGeom prst="rect">
+            <a:avLst/>
+          </a:prstGeom>
+        </p:spPr>
+        <p:style>
+          <a:lnRef idx="2">
+            <a:schemeClr val="accent1">
+              <a:shade val="15000"/>
+            </a:schemeClr>
+          </a:lnRef>
+          <a:fillRef idx="1">
+            <a:schemeClr val="accent1"/>
+          </a:fillRef>
+          <a:effectRef idx="0">
+            <a:schemeClr val="accent1"/>
+          </a:effectRef>
+          <a:fontRef idx="minor">
+            <a:schemeClr val="lt1"/>
+          </a:fontRef>
+        </p:style>
+        <p:txBody>
+          <a:bodyPr rtlCol="0" anchor="ctr"/>
+          <a:lstStyle/>
+          <a:p>
+            <a:pPr algn="ctr"/>
+            <a:r>
+              <a:rPr kumimoji="1" lang="ko-KR" altLang="en-US" sz="2400" dirty="0"/>
+              <a:t>메일 발송 </a:t>
+            </a:r>
+            <a:r>
+              <a:rPr kumimoji="1" lang="en-US" altLang="ko-KR" sz="2400" dirty="0"/>
+              <a:t>API</a:t>
+            </a:r>
+            <a:endParaRPr kumimoji="1" lang="ko-KR" altLang="en-US" sz="2400" dirty="0"/>
+          </a:p>
+        </p:txBody>
+      </p:sp>
+      <p:cxnSp>
+        <p:nvCxnSpPr>
+          <p:cNvPr id="28" name="직선 연결선 27">
+            <a:extLst>
+              <a:ext uri="{FF2B5EF4-FFF2-40B4-BE49-F238E27FC236}">
+                <a16:creationId xmlns:a16="http://schemas.microsoft.com/office/drawing/2014/main" id="{4F1D12C6-F236-6BF8-8D4E-FC44264EEB25}"/>
+              </a:ext>
+            </a:extLst>
+          </p:cNvPr>
+          <p:cNvCxnSpPr>
+            <a:cxnSpLocks/>
+            <a:stCxn id="4" idx="4"/>
+            <a:endCxn id="27" idx="0"/>
+          </p:cNvCxnSpPr>
+          <p:nvPr/>
+        </p:nvCxnSpPr>
+        <p:spPr>
+          <a:xfrm flipH="1">
+            <a:off x="1503930" y="4293482"/>
+            <a:ext cx="1137057" cy="422320"/>
+          </a:xfrm>
+          <a:prstGeom prst="line">
+            <a:avLst/>
+          </a:prstGeom>
+          <a:ln w="28575"/>
+        </p:spPr>
+        <p:style>
+          <a:lnRef idx="1">
+            <a:schemeClr val="dk1"/>
+          </a:lnRef>
+          <a:fillRef idx="0">
+            <a:schemeClr val="dk1"/>
+          </a:fillRef>
+          <a:effectRef idx="0">
+            <a:schemeClr val="dk1"/>
+          </a:effectRef>
+          <a:fontRef idx="minor">
+            <a:schemeClr val="tx1"/>
+          </a:fontRef>
+        </p:style>
+      </p:cxnSp>
+      <p:sp>
+        <p:nvSpPr>
+          <p:cNvPr id="36" name="직사각형 35">
+            <a:extLst>
+              <a:ext uri="{FF2B5EF4-FFF2-40B4-BE49-F238E27FC236}">
+                <a16:creationId xmlns:a16="http://schemas.microsoft.com/office/drawing/2014/main" id="{C95F28EB-9027-0402-5992-446191C7B2D6}"/>
+              </a:ext>
+            </a:extLst>
+          </p:cNvPr>
+          <p:cNvSpPr/>
+          <p:nvPr/>
+        </p:nvSpPr>
+        <p:spPr>
+          <a:xfrm>
+            <a:off x="3845746" y="3492271"/>
+            <a:ext cx="1795875" cy="674914"/>
+          </a:xfrm>
+          <a:prstGeom prst="rect">
+            <a:avLst/>
+          </a:prstGeom>
+        </p:spPr>
+        <p:style>
+          <a:lnRef idx="2">
+            <a:schemeClr val="accent1">
+              <a:shade val="15000"/>
+            </a:schemeClr>
+          </a:lnRef>
+          <a:fillRef idx="1">
+            <a:schemeClr val="accent1"/>
+          </a:fillRef>
+          <a:effectRef idx="0">
+            <a:schemeClr val="accent1"/>
+          </a:effectRef>
+          <a:fontRef idx="minor">
+            <a:schemeClr val="lt1"/>
+          </a:fontRef>
+        </p:style>
+        <p:txBody>
+          <a:bodyPr rtlCol="0" anchor="ctr"/>
+          <a:lstStyle/>
+          <a:p>
+            <a:pPr algn="ctr"/>
+            <a:r>
+              <a:rPr kumimoji="1" lang="ko-KR" altLang="en-US" sz="2400" dirty="0"/>
+              <a:t>인증 서비스</a:t>
+            </a:r>
+          </a:p>
+        </p:txBody>
+      </p:sp>
+      <p:cxnSp>
+        <p:nvCxnSpPr>
+          <p:cNvPr id="40" name="직선 연결선 39">
+            <a:extLst>
+              <a:ext uri="{FF2B5EF4-FFF2-40B4-BE49-F238E27FC236}">
+                <a16:creationId xmlns:a16="http://schemas.microsoft.com/office/drawing/2014/main" id="{4DD17605-6AF0-8583-FE44-E06E66FB7F2B}"/>
+              </a:ext>
+            </a:extLst>
+          </p:cNvPr>
+          <p:cNvCxnSpPr>
+            <a:cxnSpLocks/>
+            <a:stCxn id="4" idx="6"/>
+            <a:endCxn id="36" idx="1"/>
+          </p:cNvCxnSpPr>
+          <p:nvPr/>
+        </p:nvCxnSpPr>
+        <p:spPr>
+          <a:xfrm>
+            <a:off x="3559071" y="3828377"/>
+            <a:ext cx="286675" cy="1351"/>
+          </a:xfrm>
+          <a:prstGeom prst="line">
+            <a:avLst/>
+          </a:prstGeom>
+          <a:ln w="28575"/>
+        </p:spPr>
+        <p:style>
+          <a:lnRef idx="1">
+            <a:schemeClr val="dk1"/>
+          </a:lnRef>
+          <a:fillRef idx="0">
+            <a:schemeClr val="dk1"/>
+          </a:fillRef>
+          <a:effectRef idx="0">
+            <a:schemeClr val="dk1"/>
+          </a:effectRef>
+          <a:fontRef idx="minor">
+            <a:schemeClr val="tx1"/>
+          </a:fontRef>
+        </p:style>
+      </p:cxnSp>
+      <p:sp>
+        <p:nvSpPr>
+          <p:cNvPr id="5" name="순서도: 처리 4">
+            <a:extLst>
+              <a:ext uri="{FF2B5EF4-FFF2-40B4-BE49-F238E27FC236}">
+                <a16:creationId xmlns:a16="http://schemas.microsoft.com/office/drawing/2014/main" id="{A8C6EF2C-AA13-8A9E-CA87-D623E32194BA}"/>
+              </a:ext>
+            </a:extLst>
+          </p:cNvPr>
+          <p:cNvSpPr/>
+          <p:nvPr/>
+        </p:nvSpPr>
+        <p:spPr>
+          <a:xfrm>
+            <a:off x="268508" y="3314787"/>
+            <a:ext cx="5546736" cy="978695"/>
+          </a:xfrm>
+          <a:prstGeom prst="flowChartProcess">
+            <a:avLst/>
+          </a:prstGeom>
+          <a:solidFill>
+            <a:schemeClr val="dk1">
+              <a:alpha val="50000"/>
+            </a:schemeClr>
+          </a:solidFill>
+          <a:ln>
+            <a:noFill/>
+          </a:ln>
+        </p:spPr>
+        <p:style>
+          <a:lnRef idx="0">
+            <a:scrgbClr r="0" g="0" b="0"/>
+          </a:lnRef>
+          <a:fillRef idx="0">
+            <a:scrgbClr r="0" g="0" b="0"/>
+          </a:fillRef>
+          <a:effectRef idx="0">
+            <a:scrgbClr r="0" g="0" b="0"/>
+          </a:effectRef>
+          <a:fontRef idx="minor">
+            <a:schemeClr val="lt1"/>
+          </a:fontRef>
+        </p:style>
+        <p:txBody>
+          <a:bodyPr rtlCol="0" anchor="ctr"/>
+          <a:lstStyle/>
+          <a:p>
+            <a:pPr algn="ctr"/>
+            <a:endParaRPr lang="ko-KR" altLang="en-US" dirty="0"/>
+          </a:p>
+        </p:txBody>
+      </p:sp>
+      <p:sp>
+        <p:nvSpPr>
           <p:cNvPr id="20" name="순서도: 처리 19">
             <a:extLst>
               <a:ext uri="{FF2B5EF4-FFF2-40B4-BE49-F238E27FC236}">
@@ -9808,7 +9878,7 @@
         <p:spPr>
           <a:xfrm>
             <a:off x="6376758" y="2954654"/>
-            <a:ext cx="5606022" cy="2677656"/>
+            <a:ext cx="5341527" cy="2677656"/>
           </a:xfrm>
           <a:prstGeom prst="rect">
             <a:avLst/>
@@ -9853,11 +9923,23 @@
           <a:p>
             <a:r>
               <a:rPr lang="ko-KR" altLang="en-US" sz="2800" dirty="0"/>
-              <a:t> ☆ 타사 인증 서비스 </a:t>
+              <a:t> ☆ </a:t>
+            </a:r>
+            <a:r>
+              <a:rPr lang="en-US" altLang="ko-KR" sz="2800" dirty="0" err="1"/>
+              <a:t>Oauth</a:t>
             </a:r>
             <a:r>
               <a:rPr lang="en-US" altLang="ko-KR" sz="2800" dirty="0"/>
-              <a:t>API </a:t>
+              <a:t> </a:t>
+            </a:r>
+            <a:r>
+              <a:rPr lang="ko-KR" altLang="en-US" sz="2800" dirty="0"/>
+              <a:t>기반의 </a:t>
+            </a:r>
+            <a:r>
+              <a:rPr lang="en-US" altLang="ko-KR" sz="2800" dirty="0"/>
+              <a:t>SSO </a:t>
             </a:r>
             <a:r>
               <a:rPr lang="ko-KR" altLang="en-US" sz="2800" dirty="0"/>
@@ -9884,19 +9966,6 @@
               <a:rPr lang="ko-KR" altLang="en-US" sz="2800" dirty="0"/>
               <a:t>☆ 스폰서 사이트 소개</a:t>
             </a:r>
-            <a:r>
-              <a:rPr lang="en-US" altLang="ko-KR" sz="2800" dirty="0"/>
-              <a:t>(Third </a:t>
-            </a:r>
-            <a:r>
-              <a:rPr lang="en-US" altLang="ko-KR" sz="2800" dirty="0" err="1"/>
-              <a:t>Patry</a:t>
-            </a:r>
-            <a:r>
-              <a:rPr lang="en-US" altLang="ko-KR" sz="2800" dirty="0"/>
-              <a:t>)</a:t>
-            </a:r>
-            <a:endParaRPr lang="ko-KR" altLang="en-US" sz="2800" dirty="0"/>
           </a:p>
         </p:txBody>
       </p:sp>
@@ -9913,7 +9982,7 @@
 </p:sld>
 </file>
 
-<file path=ppt/slides/slide6.xml><?xml version="1.0" encoding="utf-8"?>
+<file path=ppt/slides/slide7.xml><?xml version="1.0" encoding="utf-8"?>
 <p:sld xmlns:a="http://schemas.openxmlformats.org/drawingml/2006/main" xmlns:r="http://schemas.openxmlformats.org/officeDocument/2006/relationships" xmlns:p="http://schemas.openxmlformats.org/presentationml/2006/main">
   <p:cSld>
     <p:spTree>
@@ -10458,13 +10527,13 @@
 
 <file path=customXml/item1.xml><?xml version="1.0" encoding="utf-8"?>
 <Control xmlns="http://schemas.microsoft.com/VisualStudio/2011/storyboarding/control">
-  <Id Name="System.Storyboarding.Common.ScrollbarVertical" Revision="1" Stencil="System.Storyboarding.Common" StencilVersion="0.1"/>
+  <Id Name="System.Storyboarding.WindowsPhone.WideTile" Revision="1" Stencil="System.Storyboarding.WindowsPhone" StencilVersion="0.1"/>
 </Control>
 </file>
 
 <file path=customXml/item10.xml><?xml version="1.0" encoding="utf-8"?>
 <Control xmlns="http://schemas.microsoft.com/VisualStudio/2011/storyboarding/control">
-  <Id Name="System.Storyboarding.Common.ScrollbarVertical" RevisionId="68ea164d-c1de-47a5-804f-d4d1290fa524" Stencil="System.Storyboarding.Common" StencilRevisionId="68ea164d-c1de-47a5-804f-d4d1290fa524" StencilVersion="0.1"/>
+  <Id Name="System.Storyboarding.Common.Text" Revision="1" Stencil="System.Storyboarding.Common" StencilVersion="0.1"/>
 </Control>
 </file>
 
@@ -10476,7 +10545,7 @@
 
 <file path=customXml/item12.xml><?xml version="1.0" encoding="utf-8"?>
 <Control xmlns="http://schemas.microsoft.com/VisualStudio/2011/storyboarding/control">
-  <Id Name="System.Storyboarding.WindowsPhone.WideTile" Revision="1" Stencil="System.Storyboarding.WindowsPhone" StencilVersion="0.1"/>
+  <Id Name="System.Storyboarding.Common.SearchBox" Revision="1" Stencil="System.Storyboarding.Common" StencilVersion="0.1"/>
 </Control>
 </file>
 
@@ -10488,43 +10557,43 @@
 
 <file path=customXml/item14.xml><?xml version="1.0" encoding="utf-8"?>
 <Control xmlns="http://schemas.microsoft.com/VisualStudio/2011/storyboarding/control">
-  <Id Name="System.Storyboarding.WindowsApps.WindowsAppsListBox" Revision="1" Stencil="System.Storyboarding.WindowsApps" StencilVersion="0.1"/>
+  <Id Name="System.Storyboarding.WindowsAppIcons.Mail" Revision="1" Stencil="System.Storyboarding.WindowsAppIcons" StencilVersion="0.1"/>
 </Control>
 </file>
 
 <file path=customXml/item15.xml><?xml version="1.0" encoding="utf-8"?>
 <Control xmlns="http://schemas.microsoft.com/VisualStudio/2011/storyboarding/control">
-  <Id Name="System.Storyboarding.WindowsAppIcons.Mail" Revision="1" Stencil="System.Storyboarding.WindowsAppIcons" StencilVersion="0.1"/>
+  <Id Name="System.Storyboarding.WindowsPhone.Tile" Revision="1" Stencil="System.Storyboarding.WindowsPhone" StencilVersion="0.1"/>
 </Control>
 </file>
 
 <file path=customXml/item16.xml><?xml version="1.0" encoding="utf-8"?>
 <Control xmlns="http://schemas.microsoft.com/VisualStudio/2011/storyboarding/control">
-  <Id Name="System.Storyboarding.Common.LinkBar" Revision="1" Stencil="System.Storyboarding.Common" StencilVersion="0.1"/>
+  <Id Name="System.Storyboarding.Backgrounds.RibbonApplication" Revision="1" Stencil="System.Storyboarding.Backgrounds" StencilVersion="0.1"/>
 </Control>
 </file>
 
 <file path=customXml/item17.xml><?xml version="1.0" encoding="utf-8"?>
 <Control xmlns="http://schemas.microsoft.com/VisualStudio/2011/storyboarding/control">
-  <Id Name="System.Storyboarding.WindowsPhone.Tile" Revision="1" Stencil="System.Storyboarding.WindowsPhone" StencilVersion="0.1"/>
+  <Id Name="System.Storyboarding.Common.ScrollbarVertical" RevisionId="68ea164d-c1de-47a5-804f-d4d1290fa524" Stencil="System.Storyboarding.Common" StencilRevisionId="68ea164d-c1de-47a5-804f-d4d1290fa524" StencilVersion="0.1"/>
 </Control>
 </file>
 
 <file path=customXml/item18.xml><?xml version="1.0" encoding="utf-8"?>
 <Control xmlns="http://schemas.microsoft.com/VisualStudio/2011/storyboarding/control">
-  <Id Name="System.Storyboarding.WindowsPhone.Tile" Revision="1" Stencil="System.Storyboarding.WindowsPhone" StencilVersion="0.1"/>
+  <Id Name="System.Storyboarding.Backgrounds.StartScreen" Revision="1" Stencil="System.Storyboarding.Backgrounds" StencilVersion="0.1"/>
 </Control>
 </file>
 
 <file path=customXml/item19.xml><?xml version="1.0" encoding="utf-8"?>
 <Control xmlns="http://schemas.microsoft.com/VisualStudio/2011/storyboarding/control">
-  <Id Name="System.Storyboarding.Backgrounds.StartScreen" Revision="1" Stencil="System.Storyboarding.Backgrounds" StencilVersion="0.1"/>
+  <Id Name="System.Storyboarding.Common.List" Revision="1" Stencil="System.Storyboarding.Common" StencilVersion="0.1"/>
 </Control>
 </file>
 
 <file path=customXml/item2.xml><?xml version="1.0" encoding="utf-8"?>
 <Control xmlns="http://schemas.microsoft.com/VisualStudio/2011/storyboarding/control">
-  <Id Name="System.Storyboarding.WindowsPhone.WideTile" Revision="1" Stencil="System.Storyboarding.WindowsPhone" StencilVersion="0.1"/>
+  <Id Name="System.Storyboarding.WindowsApps.WindowsAppsButton" Revision="1" Stencil="System.Storyboarding.WindowsApps" StencilVersion="0.1"/>
 </Control>
 </file>
 
@@ -10536,7 +10605,7 @@
 
 <file path=customXml/item21.xml><?xml version="1.0" encoding="utf-8"?>
 <Control xmlns="http://schemas.microsoft.com/VisualStudio/2011/storyboarding/control">
-  <Id Name="System.Storyboarding.WindowsPhone.WideTile" Revision="1" Stencil="System.Storyboarding.WindowsPhone" StencilVersion="0.1"/>
+  <Id Name="System.Storyboarding.WindowsApps.WindowsAppsListBox" Revision="1" Stencil="System.Storyboarding.WindowsApps" StencilVersion="0.1"/>
 </Control>
 </file>
 
@@ -10554,13 +10623,13 @@
 
 <file path=customXml/item24.xml><?xml version="1.0" encoding="utf-8"?>
 <Control xmlns="http://schemas.microsoft.com/VisualStudio/2011/storyboarding/control">
-  <Id Name="System.Storyboarding.Common.SearchBox" Revision="1" Stencil="System.Storyboarding.Common" StencilVersion="0.1"/>
+  <Id Name="System.Storyboarding.WindowsPhone.Tile" Revision="1" Stencil="System.Storyboarding.WindowsPhone" StencilVersion="0.1"/>
 </Control>
 </file>
 
 <file path=customXml/item25.xml><?xml version="1.0" encoding="utf-8"?>
 <Control xmlns="http://schemas.microsoft.com/VisualStudio/2011/storyboarding/control">
-  <Id Name="System.Storyboarding.Backgrounds.WebBrowser" Revision="1" Stencil="System.Storyboarding.Backgrounds" StencilVersion="0.1"/>
+  <Id Name="System.Storyboarding.Icons.User" Revision="1" Stencil="System.Storyboarding.Icons" StencilVersion="0.1"/>
 </Control>
 </file>
 
@@ -10578,37 +10647,37 @@
 
 <file path=customXml/item28.xml><?xml version="1.0" encoding="utf-8"?>
 <Control xmlns="http://schemas.microsoft.com/VisualStudio/2011/storyboarding/control">
-  <Id Name="System.Storyboarding.Backgrounds.RibbonApplication" Revision="1" Stencil="System.Storyboarding.Backgrounds" StencilVersion="0.1"/>
+  <Id Name="System.Storyboarding.WindowsPhone.Tile" Revision="1" Stencil="System.Storyboarding.WindowsPhone" StencilVersion="0.1"/>
 </Control>
 </file>
 
 <file path=customXml/item3.xml><?xml version="1.0" encoding="utf-8"?>
 <Control xmlns="http://schemas.microsoft.com/VisualStudio/2011/storyboarding/control">
-  <Id Name="System.Storyboarding.Icons.User" Revision="1" Stencil="System.Storyboarding.Icons" StencilVersion="0.1"/>
+  <Id Name="System.Storyboarding.WindowsPhone.WideTile" Revision="1" Stencil="System.Storyboarding.WindowsPhone" StencilVersion="0.1"/>
 </Control>
 </file>
 
 <file path=customXml/item4.xml><?xml version="1.0" encoding="utf-8"?>
 <Control xmlns="http://schemas.microsoft.com/VisualStudio/2011/storyboarding/control">
-  <Id Name="System.Storyboarding.Common.List" Revision="1" Stencil="System.Storyboarding.Common" StencilVersion="0.1"/>
+  <Id Name="System.Storyboarding.WindowsPhone.Tile" Revision="1" Stencil="System.Storyboarding.WindowsPhone" StencilVersion="0.1"/>
 </Control>
 </file>
 
 <file path=customXml/item5.xml><?xml version="1.0" encoding="utf-8"?>
 <Control xmlns="http://schemas.microsoft.com/VisualStudio/2011/storyboarding/control">
-  <Id Name="System.Storyboarding.WindowsPhone.Tile" Revision="1" Stencil="System.Storyboarding.WindowsPhone" StencilVersion="0.1"/>
+  <Id Name="System.Storyboarding.Backgrounds.WebBrowser" Revision="1" Stencil="System.Storyboarding.Backgrounds" StencilVersion="0.1"/>
 </Control>
 </file>
 
 <file path=customXml/item6.xml><?xml version="1.0" encoding="utf-8"?>
 <Control xmlns="http://schemas.microsoft.com/VisualStudio/2011/storyboarding/control">
-  <Id Name="System.Storyboarding.Common.Text" Revision="1" Stencil="System.Storyboarding.Common" StencilVersion="0.1"/>
+  <Id Name="System.Storyboarding.WindowsPhone.WideTile" Revision="1" Stencil="System.Storyboarding.WindowsPhone" StencilVersion="0.1"/>
 </Control>
 </file>
 
 <file path=customXml/item7.xml><?xml version="1.0" encoding="utf-8"?>
 <Control xmlns="http://schemas.microsoft.com/VisualStudio/2011/storyboarding/control">
-  <Id Name="System.Storyboarding.WindowsApps.WindowsAppsButton" Revision="1" Stencil="System.Storyboarding.WindowsApps" StencilVersion="0.1"/>
+  <Id Name="System.Storyboarding.Common.LinkBar" Revision="1" Stencil="System.Storyboarding.Common" StencilVersion="0.1"/>
 </Control>
 </file>
 
@@ -10620,12 +10689,12 @@
 
 <file path=customXml/item9.xml><?xml version="1.0" encoding="utf-8"?>
 <Control xmlns="http://schemas.microsoft.com/VisualStudio/2011/storyboarding/control">
-  <Id Name="System.Storyboarding.WindowsPhone.Tile" Revision="1" Stencil="System.Storyboarding.WindowsPhone" StencilVersion="0.1"/>
+  <Id Name="System.Storyboarding.Common.ScrollbarVertical" Revision="1" Stencil="System.Storyboarding.Common" StencilVersion="0.1"/>
 </Control>
 </file>
 
 <file path=customXml/itemProps1.xml><?xml version="1.0" encoding="utf-8"?>
-<ds:datastoreItem xmlns:ds="http://schemas.openxmlformats.org/officeDocument/2006/customXml" ds:itemID="{85A9FA15-61A0-44BB-99B4-223C97599199}">
+<ds:datastoreItem xmlns:ds="http://schemas.openxmlformats.org/officeDocument/2006/customXml" ds:itemID="{5F8B743C-58C9-496B-861D-37CFDCB689D2}">
   <ds:schemaRefs>
     <ds:schemaRef ds:uri="http://schemas.microsoft.com/VisualStudio/2011/storyboarding/control"/>
   </ds:schemaRefs>
@@ -10633,7 +10702,7 @@
 </file>
 
 <file path=customXml/itemProps10.xml><?xml version="1.0" encoding="utf-8"?>
-<ds:datastoreItem xmlns:ds="http://schemas.openxmlformats.org/officeDocument/2006/customXml" ds:itemID="{B86FC14E-608D-4408-A64C-21E6AEE90D98}">
+<ds:datastoreItem xmlns:ds="http://schemas.openxmlformats.org/officeDocument/2006/customXml" ds:itemID="{CCE23676-7212-4FCA-ABFB-70FF7FF618C0}">
   <ds:schemaRefs>
     <ds:schemaRef ds:uri="http://schemas.microsoft.com/VisualStudio/2011/storyboarding/control"/>
   </ds:schemaRefs>
@@ -10649,7 +10718,7 @@
 </file>
 
 <file path=customXml/itemProps12.xml><?xml version="1.0" encoding="utf-8"?>
-<ds:datastoreItem xmlns:ds="http://schemas.openxmlformats.org/officeDocument/2006/customXml" ds:itemID="{A20CCF91-9787-422A-AEBB-C4729D818C00}">
+<ds:datastoreItem xmlns:ds="http://schemas.openxmlformats.org/officeDocument/2006/customXml" ds:itemID="{1751AD61-7405-469C-AEEA-DCF37C66F2FB}">
   <ds:schemaRefs>
     <ds:schemaRef ds:uri="http://schemas.microsoft.com/VisualStudio/2011/storyboarding/control"/>
   </ds:schemaRefs>
@@ -10657,7 +10726,7 @@
 </file>
 
 <file path=customXml/itemProps13.xml><?xml version="1.0" encoding="utf-8"?>
-<ds:datastoreItem xmlns:ds="http://schemas.openxmlformats.org/officeDocument/2006/customXml" ds:itemID="{F8288DEA-22B9-443B-ABE1-014EF687A73A}">
+<ds:datastoreItem xmlns:ds="http://schemas.openxmlformats.org/officeDocument/2006/customXml" ds:itemID="{1C0C511F-E67D-4D4A-9A7B-6E9F2916E4D8}">
   <ds:schemaRefs>
     <ds:schemaRef ds:uri="http://schemas.microsoft.com/VisualStudio/2011/storyboarding/control"/>
   </ds:schemaRefs>
@@ -10665,7 +10734,7 @@
 </file>
 
 <file path=customXml/itemProps14.xml><?xml version="1.0" encoding="utf-8"?>
-<ds:datastoreItem xmlns:ds="http://schemas.openxmlformats.org/officeDocument/2006/customXml" ds:itemID="{878AA425-1DF4-4B41-85CE-1CDA0EBB04F1}">
+<ds:datastoreItem xmlns:ds="http://schemas.openxmlformats.org/officeDocument/2006/customXml" ds:itemID="{EC3E1D32-A160-4C47-AB2E-5A03F0D49F91}">
   <ds:schemaRefs>
     <ds:schemaRef ds:uri="http://schemas.microsoft.com/VisualStudio/2011/storyboarding/control"/>
   </ds:schemaRefs>
@@ -10673,7 +10742,7 @@
 </file>
 
 <file path=customXml/itemProps15.xml><?xml version="1.0" encoding="utf-8"?>
-<ds:datastoreItem xmlns:ds="http://schemas.openxmlformats.org/officeDocument/2006/customXml" ds:itemID="{EC3E1D32-A160-4C47-AB2E-5A03F0D49F91}">
+<ds:datastoreItem xmlns:ds="http://schemas.openxmlformats.org/officeDocument/2006/customXml" ds:itemID="{864CECF6-9DCA-4D1C-9B38-E0688ABC9BEF}">
   <ds:schemaRefs>
     <ds:schemaRef ds:uri="http://schemas.microsoft.com/VisualStudio/2011/storyboarding/control"/>
   </ds:schemaRefs>
@@ -10681,7 +10750,7 @@
 </file>
 
 <file path=customXml/itemProps16.xml><?xml version="1.0" encoding="utf-8"?>
-<ds:datastoreItem xmlns:ds="http://schemas.openxmlformats.org/officeDocument/2006/customXml" ds:itemID="{D67CE18B-C88B-4229-8A8A-A767E5522C16}">
+<ds:datastoreItem xmlns:ds="http://schemas.openxmlformats.org/officeDocument/2006/customXml" ds:itemID="{AD967B12-17BA-4185-B999-08414E34DCF2}">
   <ds:schemaRefs>
     <ds:schemaRef ds:uri="http://schemas.microsoft.com/VisualStudio/2011/storyboarding/control"/>
   </ds:schemaRefs>
@@ -10689,7 +10758,7 @@
 </file>
 
 <file path=customXml/itemProps17.xml><?xml version="1.0" encoding="utf-8"?>
-<ds:datastoreItem xmlns:ds="http://schemas.openxmlformats.org/officeDocument/2006/customXml" ds:itemID="{62297194-F276-4C35-9AA2-BFDF1B032F77}">
+<ds:datastoreItem xmlns:ds="http://schemas.openxmlformats.org/officeDocument/2006/customXml" ds:itemID="{B86FC14E-608D-4408-A64C-21E6AEE90D98}">
   <ds:schemaRefs>
     <ds:schemaRef ds:uri="http://schemas.microsoft.com/VisualStudio/2011/storyboarding/control"/>
   </ds:schemaRefs>
@@ -10697,7 +10766,7 @@
 </file>
 
 <file path=customXml/itemProps18.xml><?xml version="1.0" encoding="utf-8"?>
-<ds:datastoreItem xmlns:ds="http://schemas.openxmlformats.org/officeDocument/2006/customXml" ds:itemID="{B945FD6A-04E9-4DD2-94EC-104268517FC4}">
+<ds:datastoreItem xmlns:ds="http://schemas.openxmlformats.org/officeDocument/2006/customXml" ds:itemID="{2DB54DAE-18A7-489E-B7E0-E9153AF64047}">
   <ds:schemaRefs>
     <ds:schemaRef ds:uri="http://schemas.microsoft.com/VisualStudio/2011/storyboarding/control"/>
   </ds:schemaRefs>
@@ -10705,7 +10774,7 @@
 </file>
 
 <file path=customXml/itemProps19.xml><?xml version="1.0" encoding="utf-8"?>
-<ds:datastoreItem xmlns:ds="http://schemas.openxmlformats.org/officeDocument/2006/customXml" ds:itemID="{2DB54DAE-18A7-489E-B7E0-E9153AF64047}">
+<ds:datastoreItem xmlns:ds="http://schemas.openxmlformats.org/officeDocument/2006/customXml" ds:itemID="{2E6ECAC9-2DB8-4440-B326-EE68A515B0BA}">
   <ds:schemaRefs>
     <ds:schemaRef ds:uri="http://schemas.microsoft.com/VisualStudio/2011/storyboarding/control"/>
   </ds:schemaRefs>
@@ -10713,7 +10782,7 @@
 </file>
 
 <file path=customXml/itemProps2.xml><?xml version="1.0" encoding="utf-8"?>
-<ds:datastoreItem xmlns:ds="http://schemas.openxmlformats.org/officeDocument/2006/customXml" ds:itemID="{76EF0D77-C994-4232-9406-B3D450F81857}">
+<ds:datastoreItem xmlns:ds="http://schemas.openxmlformats.org/officeDocument/2006/customXml" ds:itemID="{0DDF45E7-1FBE-4F27-9DE1-8719D352CA77}">
   <ds:schemaRefs>
     <ds:schemaRef ds:uri="http://schemas.microsoft.com/VisualStudio/2011/storyboarding/control"/>
   </ds:schemaRefs>
@@ -10721,7 +10790,7 @@
 </file>
 
 <file path=customXml/itemProps20.xml><?xml version="1.0" encoding="utf-8"?>
-<ds:datastoreItem xmlns:ds="http://schemas.openxmlformats.org/officeDocument/2006/customXml" ds:itemID="{54096EDF-8844-4AF1-A245-67F5F80754AD}">
+<ds:datastoreItem xmlns:ds="http://schemas.openxmlformats.org/officeDocument/2006/customXml" ds:itemID="{0A0B0AB4-528F-45D0-9477-351EBE4AC7B5}">
   <ds:schemaRefs>
     <ds:schemaRef ds:uri="http://schemas.microsoft.com/VisualStudio/2011/storyboarding/control"/>
   </ds:schemaRefs>
@@ -10729,7 +10798,7 @@
 </file>
 
 <file path=customXml/itemProps21.xml><?xml version="1.0" encoding="utf-8"?>
-<ds:datastoreItem xmlns:ds="http://schemas.openxmlformats.org/officeDocument/2006/customXml" ds:itemID="{5F8B743C-58C9-496B-861D-37CFDCB689D2}">
+<ds:datastoreItem xmlns:ds="http://schemas.openxmlformats.org/officeDocument/2006/customXml" ds:itemID="{878AA425-1DF4-4B41-85CE-1CDA0EBB04F1}">
   <ds:schemaRefs>
     <ds:schemaRef ds:uri="http://schemas.microsoft.com/VisualStudio/2011/storyboarding/control"/>
   </ds:schemaRefs>
@@ -10745,7 +10814,7 @@
 </file>
 
 <file path=customXml/itemProps23.xml><?xml version="1.0" encoding="utf-8"?>
-<ds:datastoreItem xmlns:ds="http://schemas.openxmlformats.org/officeDocument/2006/customXml" ds:itemID="{864CECF6-9DCA-4D1C-9B38-E0688ABC9BEF}">
+<ds:datastoreItem xmlns:ds="http://schemas.openxmlformats.org/officeDocument/2006/customXml" ds:itemID="{227E5C53-C01D-4E70-A6B9-862CEA9643DB}">
   <ds:schemaRefs>
     <ds:schemaRef ds:uri="http://schemas.microsoft.com/VisualStudio/2011/storyboarding/control"/>
   </ds:schemaRefs>
@@ -10753,7 +10822,7 @@
 </file>
 
 <file path=customXml/itemProps24.xml><?xml version="1.0" encoding="utf-8"?>
-<ds:datastoreItem xmlns:ds="http://schemas.openxmlformats.org/officeDocument/2006/customXml" ds:itemID="{1751AD61-7405-469C-AEEA-DCF37C66F2FB}">
+<ds:datastoreItem xmlns:ds="http://schemas.openxmlformats.org/officeDocument/2006/customXml" ds:itemID="{8376A45C-3B73-430A-AB07-14AE228ECB55}">
   <ds:schemaRefs>
     <ds:schemaRef ds:uri="http://schemas.microsoft.com/VisualStudio/2011/storyboarding/control"/>
   </ds:schemaRefs>
@@ -10761,6 +10830,54 @@
 </file>
 
 <file path=customXml/itemProps25.xml><?xml version="1.0" encoding="utf-8"?>
+<ds:datastoreItem xmlns:ds="http://schemas.openxmlformats.org/officeDocument/2006/customXml" ds:itemID="{2D71B260-49DD-430A-993F-35BB818160D2}">
+  <ds:schemaRefs>
+    <ds:schemaRef ds:uri="http://schemas.microsoft.com/VisualStudio/2011/storyboarding/control"/>
+  </ds:schemaRefs>
+</ds:datastoreItem>
+</file>
+
+<file path=customXml/itemProps26.xml><?xml version="1.0" encoding="utf-8"?>
+<ds:datastoreItem xmlns:ds="http://schemas.openxmlformats.org/officeDocument/2006/customXml" ds:itemID="{F8288DEA-22B9-443B-ABE1-014EF687A73A}">
+  <ds:schemaRefs>
+    <ds:schemaRef ds:uri="http://schemas.microsoft.com/VisualStudio/2011/storyboarding/control"/>
+  </ds:schemaRefs>
+</ds:datastoreItem>
+</file>
+
+<file path=customXml/itemProps27.xml><?xml version="1.0" encoding="utf-8"?>
+<ds:datastoreItem xmlns:ds="http://schemas.openxmlformats.org/officeDocument/2006/customXml" ds:itemID="{B945FD6A-04E9-4DD2-94EC-104268517FC4}">
+  <ds:schemaRefs>
+    <ds:schemaRef ds:uri="http://schemas.microsoft.com/VisualStudio/2011/storyboarding/control"/>
+  </ds:schemaRefs>
+</ds:datastoreItem>
+</file>
+
+<file path=customXml/itemProps28.xml><?xml version="1.0" encoding="utf-8"?>
+<ds:datastoreItem xmlns:ds="http://schemas.openxmlformats.org/officeDocument/2006/customXml" ds:itemID="{B86ED811-76FA-470E-BF65-7B08F4E478BD}">
+  <ds:schemaRefs>
+    <ds:schemaRef ds:uri="http://schemas.microsoft.com/VisualStudio/2011/storyboarding/control"/>
+  </ds:schemaRefs>
+</ds:datastoreItem>
+</file>
+
+<file path=customXml/itemProps3.xml><?xml version="1.0" encoding="utf-8"?>
+<ds:datastoreItem xmlns:ds="http://schemas.openxmlformats.org/officeDocument/2006/customXml" ds:itemID="{A20CCF91-9787-422A-AEBB-C4729D818C00}">
+  <ds:schemaRefs>
+    <ds:schemaRef ds:uri="http://schemas.microsoft.com/VisualStudio/2011/storyboarding/control"/>
+  </ds:schemaRefs>
+</ds:datastoreItem>
+</file>
+
+<file path=customXml/itemProps4.xml><?xml version="1.0" encoding="utf-8"?>
+<ds:datastoreItem xmlns:ds="http://schemas.openxmlformats.org/officeDocument/2006/customXml" ds:itemID="{62297194-F276-4C35-9AA2-BFDF1B032F77}">
+  <ds:schemaRefs>
+    <ds:schemaRef ds:uri="http://schemas.microsoft.com/VisualStudio/2011/storyboarding/control"/>
+  </ds:schemaRefs>
+</ds:datastoreItem>
+</file>
+
+<file path=customXml/itemProps5.xml><?xml version="1.0" encoding="utf-8"?>
 <ds:datastoreItem xmlns:ds="http://schemas.openxmlformats.org/officeDocument/2006/customXml" ds:itemID="{187609E1-E7F4-4E9E-8C69-E12BE5502CF2}">
   <ds:schemaRefs>
     <ds:schemaRef ds:uri="http://schemas.microsoft.com/VisualStudio/2011/storyboarding/control"/>
@@ -10768,56 +10885,8 @@
 </ds:datastoreItem>
 </file>
 
-<file path=customXml/itemProps26.xml><?xml version="1.0" encoding="utf-8"?>
-<ds:datastoreItem xmlns:ds="http://schemas.openxmlformats.org/officeDocument/2006/customXml" ds:itemID="{B86ED811-76FA-470E-BF65-7B08F4E478BD}">
-  <ds:schemaRefs>
-    <ds:schemaRef ds:uri="http://schemas.microsoft.com/VisualStudio/2011/storyboarding/control"/>
-  </ds:schemaRefs>
-</ds:datastoreItem>
-</file>
-
-<file path=customXml/itemProps27.xml><?xml version="1.0" encoding="utf-8"?>
-<ds:datastoreItem xmlns:ds="http://schemas.openxmlformats.org/officeDocument/2006/customXml" ds:itemID="{227E5C53-C01D-4E70-A6B9-862CEA9643DB}">
-  <ds:schemaRefs>
-    <ds:schemaRef ds:uri="http://schemas.microsoft.com/VisualStudio/2011/storyboarding/control"/>
-  </ds:schemaRefs>
-</ds:datastoreItem>
-</file>
-
-<file path=customXml/itemProps28.xml><?xml version="1.0" encoding="utf-8"?>
-<ds:datastoreItem xmlns:ds="http://schemas.openxmlformats.org/officeDocument/2006/customXml" ds:itemID="{AD967B12-17BA-4185-B999-08414E34DCF2}">
-  <ds:schemaRefs>
-    <ds:schemaRef ds:uri="http://schemas.microsoft.com/VisualStudio/2011/storyboarding/control"/>
-  </ds:schemaRefs>
-</ds:datastoreItem>
-</file>
-
-<file path=customXml/itemProps3.xml><?xml version="1.0" encoding="utf-8"?>
-<ds:datastoreItem xmlns:ds="http://schemas.openxmlformats.org/officeDocument/2006/customXml" ds:itemID="{2D71B260-49DD-430A-993F-35BB818160D2}">
-  <ds:schemaRefs>
-    <ds:schemaRef ds:uri="http://schemas.microsoft.com/VisualStudio/2011/storyboarding/control"/>
-  </ds:schemaRefs>
-</ds:datastoreItem>
-</file>
-
-<file path=customXml/itemProps4.xml><?xml version="1.0" encoding="utf-8"?>
-<ds:datastoreItem xmlns:ds="http://schemas.openxmlformats.org/officeDocument/2006/customXml" ds:itemID="{2E6ECAC9-2DB8-4440-B326-EE68A515B0BA}">
-  <ds:schemaRefs>
-    <ds:schemaRef ds:uri="http://schemas.microsoft.com/VisualStudio/2011/storyboarding/control"/>
-  </ds:schemaRefs>
-</ds:datastoreItem>
-</file>
-
-<file path=customXml/itemProps5.xml><?xml version="1.0" encoding="utf-8"?>
-<ds:datastoreItem xmlns:ds="http://schemas.openxmlformats.org/officeDocument/2006/customXml" ds:itemID="{1C0C511F-E67D-4D4A-9A7B-6E9F2916E4D8}">
-  <ds:schemaRefs>
-    <ds:schemaRef ds:uri="http://schemas.microsoft.com/VisualStudio/2011/storyboarding/control"/>
-  </ds:schemaRefs>
-</ds:datastoreItem>
-</file>
-
 <file path=customXml/itemProps6.xml><?xml version="1.0" encoding="utf-8"?>
-<ds:datastoreItem xmlns:ds="http://schemas.openxmlformats.org/officeDocument/2006/customXml" ds:itemID="{CCE23676-7212-4FCA-ABFB-70FF7FF618C0}">
+<ds:datastoreItem xmlns:ds="http://schemas.openxmlformats.org/officeDocument/2006/customXml" ds:itemID="{76EF0D77-C994-4232-9406-B3D450F81857}">
   <ds:schemaRefs>
     <ds:schemaRef ds:uri="http://schemas.microsoft.com/VisualStudio/2011/storyboarding/control"/>
   </ds:schemaRefs>
@@ -10825,7 +10894,7 @@
 </file>
 
 <file path=customXml/itemProps7.xml><?xml version="1.0" encoding="utf-8"?>
-<ds:datastoreItem xmlns:ds="http://schemas.openxmlformats.org/officeDocument/2006/customXml" ds:itemID="{0DDF45E7-1FBE-4F27-9DE1-8719D352CA77}">
+<ds:datastoreItem xmlns:ds="http://schemas.openxmlformats.org/officeDocument/2006/customXml" ds:itemID="{D67CE18B-C88B-4229-8A8A-A767E5522C16}">
   <ds:schemaRefs>
     <ds:schemaRef ds:uri="http://schemas.microsoft.com/VisualStudio/2011/storyboarding/control"/>
   </ds:schemaRefs>
@@ -10833,7 +10902,7 @@
 </file>
 
 <file path=customXml/itemProps8.xml><?xml version="1.0" encoding="utf-8"?>
-<ds:datastoreItem xmlns:ds="http://schemas.openxmlformats.org/officeDocument/2006/customXml" ds:itemID="{8376A45C-3B73-430A-AB07-14AE228ECB55}">
+<ds:datastoreItem xmlns:ds="http://schemas.openxmlformats.org/officeDocument/2006/customXml" ds:itemID="{54096EDF-8844-4AF1-A245-67F5F80754AD}">
   <ds:schemaRefs>
     <ds:schemaRef ds:uri="http://schemas.microsoft.com/VisualStudio/2011/storyboarding/control"/>
   </ds:schemaRefs>
@@ -10841,7 +10910,7 @@
 </file>
 
 <file path=customXml/itemProps9.xml><?xml version="1.0" encoding="utf-8"?>
-<ds:datastoreItem xmlns:ds="http://schemas.openxmlformats.org/officeDocument/2006/customXml" ds:itemID="{0A0B0AB4-528F-45D0-9477-351EBE4AC7B5}">
+<ds:datastoreItem xmlns:ds="http://schemas.openxmlformats.org/officeDocument/2006/customXml" ds:itemID="{85A9FA15-61A0-44BB-99B4-223C97599199}">
   <ds:schemaRefs>
     <ds:schemaRef ds:uri="http://schemas.microsoft.com/VisualStudio/2011/storyboarding/control"/>
   </ds:schemaRefs>
